--- a/powerpoint/fetch_agent-draft.pptx
+++ b/powerpoint/fetch_agent-draft.pptx
@@ -7,13 +7,10 @@
   <p:sldIdLst>
     <p:sldId id="256" r:id="rId2"/>
     <p:sldId id="257" r:id="rId3"/>
-    <p:sldId id="258" r:id="rId4"/>
-    <p:sldId id="259" r:id="rId5"/>
-    <p:sldId id="260" r:id="rId6"/>
-    <p:sldId id="261" r:id="rId7"/>
-    <p:sldId id="262" r:id="rId8"/>
-    <p:sldId id="263" r:id="rId9"/>
-    <p:sldId id="264" r:id="rId10"/>
+    <p:sldId id="259" r:id="rId4"/>
+    <p:sldId id="261" r:id="rId5"/>
+    <p:sldId id="262" r:id="rId6"/>
+    <p:sldId id="264" r:id="rId7"/>
   </p:sldIdLst>
   <p:sldSz cx="12192000" cy="6858000"/>
   <p:notesSz cx="6858000" cy="9144000"/>
@@ -4565,7 +4562,7 @@
         <p:spPr>
           <a:xfrm>
             <a:off x="359999" y="1800000"/>
-            <a:ext cx="7718771" cy="3705254"/>
+            <a:ext cx="8571730" cy="3705254"/>
           </a:xfrm>
         </p:spPr>
         <p:txBody>
@@ -4574,53 +4571,26 @@
           <a:p>
             <a:r>
               <a:rPr lang="en-US" sz="2000" dirty="0"/>
-              <a:t>HKIA and AMCM are authoritative sources for agent verification and agent profile information</a:t>
-            </a:r>
-          </a:p>
-          <a:p>
-            <a:r>
-              <a:rPr lang="en-GB" sz="2000" dirty="0"/>
-              <a:t>Agent data is required across multiple teams for operational and compliance-related purposes</a:t>
-            </a:r>
-          </a:p>
-          <a:p>
-            <a:r>
-              <a:rPr lang="en-GB" sz="2000" dirty="0"/>
-              <a:t>Accuracy and completeness of agent data is critical</a:t>
-            </a:r>
-          </a:p>
-          <a:p>
-            <a:endParaRPr lang="en-US" sz="2000" dirty="0"/>
-          </a:p>
-        </p:txBody>
-      </p:sp>
-      <p:sp>
-        <p:nvSpPr>
-          <p:cNvPr id="3" name="Text Placeholder 2">
-            <a:extLst>
-              <a:ext uri="{FF2B5EF4-FFF2-40B4-BE49-F238E27FC236}">
-                <a16:creationId xmlns:a16="http://schemas.microsoft.com/office/drawing/2014/main" id="{AE7A98AC-A917-587B-6278-C579C8D70390}"/>
-              </a:ext>
-            </a:extLst>
-          </p:cNvPr>
-          <p:cNvSpPr>
-            <a:spLocks noGrp="1"/>
-          </p:cNvSpPr>
-          <p:nvPr>
-            <p:ph type="body" sz="quarter" idx="16"/>
-          </p:nvPr>
-        </p:nvSpPr>
-        <p:spPr>
-          <a:xfrm>
-            <a:off x="8232002" y="420279"/>
-            <a:ext cx="3600000" cy="2916793"/>
-          </a:xfrm>
-        </p:spPr>
-        <p:txBody>
-          <a:bodyPr/>
-          <a:lstStyle/>
-          <a:p>
-            <a:endParaRPr lang="en-GB" dirty="0"/>
+              <a:t>Agent Data comes from HKIA, AMCM, and internal AIA downloads</a:t>
+            </a:r>
+          </a:p>
+          <a:p>
+            <a:r>
+              <a:rPr lang="en-US" sz="2000" dirty="0"/>
+              <a:t>Internal downloads cover only active AIA agents</a:t>
+            </a:r>
+          </a:p>
+          <a:p>
+            <a:r>
+              <a:rPr lang="en-US" sz="2000" dirty="0"/>
+              <a:t>Users manually search HKIA / AMCM websites to verify missing details</a:t>
+            </a:r>
+          </a:p>
+          <a:p>
+            <a:r>
+              <a:rPr lang="en-US" sz="2000" dirty="0"/>
+              <a:t>A hybrid process is required due to incomplete coverage from any single source</a:t>
+            </a:r>
           </a:p>
         </p:txBody>
       </p:sp>
@@ -4647,7 +4617,7 @@
           <a:p>
             <a:r>
               <a:rPr lang="en-US" dirty="0"/>
-              <a:t>Why HKIA and AMCM Data Matters</a:t>
+              <a:t>Current State: Agent Data &amp; Verification</a:t>
             </a:r>
             <a:endParaRPr lang="en-GB" dirty="0"/>
           </a:p>
@@ -4688,7 +4658,7 @@
           <p:cNvPr id="2" name="Text Placeholder 1">
             <a:extLst>
               <a:ext uri="{FF2B5EF4-FFF2-40B4-BE49-F238E27FC236}">
-                <a16:creationId xmlns:a16="http://schemas.microsoft.com/office/drawing/2014/main" id="{88CCBEE2-E411-17D6-A732-9F1E286DBDB7}"/>
+                <a16:creationId xmlns:a16="http://schemas.microsoft.com/office/drawing/2014/main" id="{C2030945-E957-8536-F734-88D52978DB49}"/>
               </a:ext>
             </a:extLst>
           </p:cNvPr>
@@ -4701,8 +4671,8 @@
         </p:nvSpPr>
         <p:spPr>
           <a:xfrm>
-            <a:off x="360000" y="1800000"/>
-            <a:ext cx="7445394" cy="2916793"/>
+            <a:off x="359999" y="1800000"/>
+            <a:ext cx="4970711" cy="2518907"/>
           </a:xfrm>
         </p:spPr>
         <p:txBody>
@@ -4711,25 +4681,28 @@
           <a:p>
             <a:r>
               <a:rPr lang="en-US" sz="2000" dirty="0"/>
-              <a:t>Teams retrieve internally available downloads of active AIA agents where possible</a:t>
-            </a:r>
-          </a:p>
-          <a:p>
-            <a:r>
-              <a:rPr lang="en-GB" sz="2000" dirty="0"/>
-              <a:t>To validate completeness or verify specific agent details, users manually search public HKIA / AMCM websites</a:t>
-            </a:r>
-          </a:p>
-          <a:p>
-            <a:r>
-              <a:rPr lang="en-GB" sz="2000" dirty="0"/>
-              <a:t>The hybrid process is required because no single source provides complete and reliable information</a:t>
-            </a:r>
-          </a:p>
-          <a:p>
-            <a:pPr marL="0" indent="0">
-              <a:buNone/>
+              <a:t>HKIA Limitations:</a:t>
+            </a:r>
+          </a:p>
+          <a:p>
+            <a:pPr marL="342900" indent="-342900">
+              <a:buFontTx/>
+              <a:buChar char="-"/>
             </a:pPr>
+            <a:r>
+              <a:rPr lang="en-US" sz="2000" dirty="0"/>
+              <a:t>Public search result are capped at 1,000 agents per query</a:t>
+            </a:r>
+          </a:p>
+          <a:p>
+            <a:pPr marL="342900" indent="-342900">
+              <a:buFontTx/>
+              <a:buChar char="-"/>
+            </a:pPr>
+            <a:r>
+              <a:rPr lang="en-US" sz="2000" dirty="0"/>
+              <a:t>Search logic is character-based inclusion rather than prefix-based</a:t>
+            </a:r>
             <a:endParaRPr lang="en-GB" sz="2000" dirty="0"/>
           </a:p>
         </p:txBody>
@@ -4739,7 +4712,7 @@
           <p:cNvPr id="3" name="Text Placeholder 2">
             <a:extLst>
               <a:ext uri="{FF2B5EF4-FFF2-40B4-BE49-F238E27FC236}">
-                <a16:creationId xmlns:a16="http://schemas.microsoft.com/office/drawing/2014/main" id="{10453DC5-3715-07F6-D09A-8381C8770DC7}"/>
+                <a16:creationId xmlns:a16="http://schemas.microsoft.com/office/drawing/2014/main" id="{198B7243-2A3A-CB26-01D7-B65EA12059D5}"/>
               </a:ext>
             </a:extLst>
           </p:cNvPr>
@@ -4752,15 +4725,41 @@
         </p:nvSpPr>
         <p:spPr>
           <a:xfrm>
-            <a:off x="8232000" y="420279"/>
-            <a:ext cx="3600000" cy="2916793"/>
+            <a:off x="5330709" y="1790313"/>
+            <a:ext cx="4831385" cy="2518907"/>
           </a:xfrm>
         </p:spPr>
         <p:txBody>
           <a:bodyPr/>
           <a:lstStyle/>
           <a:p>
-            <a:endParaRPr lang="en-GB" dirty="0"/>
+            <a:r>
+              <a:rPr lang="en-US" sz="2000" dirty="0"/>
+              <a:t>AMCM Limitations:</a:t>
+            </a:r>
+          </a:p>
+          <a:p>
+            <a:pPr marL="342900" indent="-342900">
+              <a:buFontTx/>
+              <a:buChar char="-"/>
+            </a:pPr>
+            <a:r>
+              <a:rPr lang="en-GB" sz="2000" dirty="0"/>
+              <a:t>Internal tools are not always up to date</a:t>
+            </a:r>
+          </a:p>
+          <a:p>
+            <a:pPr marL="342900" indent="-342900">
+              <a:buFontTx/>
+              <a:buChar char="-"/>
+            </a:pPr>
+            <a:r>
+              <a:rPr lang="en-GB" sz="2000" dirty="0"/>
+              <a:t>Information gaps still require manual verification through the public website</a:t>
+            </a:r>
+          </a:p>
+          <a:p>
+            <a:endParaRPr lang="en-GB" sz="2000" dirty="0"/>
           </a:p>
         </p:txBody>
       </p:sp>
@@ -4769,7 +4768,7 @@
           <p:cNvPr id="4" name="Text Placeholder 3">
             <a:extLst>
               <a:ext uri="{FF2B5EF4-FFF2-40B4-BE49-F238E27FC236}">
-                <a16:creationId xmlns:a16="http://schemas.microsoft.com/office/drawing/2014/main" id="{5DE7C6CB-420C-2B30-85C5-D7CC2E518BCB}"/>
+                <a16:creationId xmlns:a16="http://schemas.microsoft.com/office/drawing/2014/main" id="{29598257-0921-3D13-8E57-DCFE3A355707}"/>
               </a:ext>
             </a:extLst>
           </p:cNvPr>
@@ -4787,7 +4786,7 @@
           <a:p>
             <a:r>
               <a:rPr lang="en-US" dirty="0"/>
-              <a:t>Current Agent Verification Process</a:t>
+              <a:t>Core Problems &amp; Limitations</a:t>
             </a:r>
             <a:endParaRPr lang="en-GB" dirty="0"/>
           </a:p>
@@ -4796,7 +4795,7 @@
     </p:spTree>
     <p:extLst>
       <p:ext uri="{BB962C8B-B14F-4D97-AF65-F5344CB8AC3E}">
-        <p14:creationId xmlns:p14="http://schemas.microsoft.com/office/powerpoint/2010/main" val="1745803650"/>
+        <p14:creationId xmlns:p14="http://schemas.microsoft.com/office/powerpoint/2010/main" val="1691144375"/>
       </p:ext>
     </p:extLst>
   </p:cSld>
@@ -4828,7 +4827,7 @@
           <p:cNvPr id="2" name="Text Placeholder 1">
             <a:extLst>
               <a:ext uri="{FF2B5EF4-FFF2-40B4-BE49-F238E27FC236}">
-                <a16:creationId xmlns:a16="http://schemas.microsoft.com/office/drawing/2014/main" id="{C2030945-E957-8536-F734-88D52978DB49}"/>
+                <a16:creationId xmlns:a16="http://schemas.microsoft.com/office/drawing/2014/main" id="{AC9CDF41-0484-2F8B-2D32-EFB6D56BE566}"/>
               </a:ext>
             </a:extLst>
           </p:cNvPr>
@@ -4841,8 +4840,8 @@
         </p:nvSpPr>
         <p:spPr>
           <a:xfrm>
-            <a:off x="359999" y="1800000"/>
-            <a:ext cx="4970711" cy="4233155"/>
+            <a:off x="360000" y="1669371"/>
+            <a:ext cx="7332272" cy="4853893"/>
           </a:xfrm>
         </p:spPr>
         <p:txBody>
@@ -4851,94 +4850,87 @@
           <a:p>
             <a:r>
               <a:rPr lang="en-US" sz="2000" dirty="0"/>
-              <a:t>HKIA Limitations:</a:t>
-            </a:r>
-          </a:p>
-          <a:p>
-            <a:pPr marL="342900" indent="-342900">
-              <a:buFontTx/>
-              <a:buChar char="-"/>
+              <a:t>Impact: </a:t>
+            </a:r>
+          </a:p>
+          <a:p>
+            <a:pPr lvl="1">
+              <a:buFont typeface="Arial" panose="020B0604020202020204" pitchFamily="34" charset="0"/>
+              <a:buChar char="•"/>
             </a:pPr>
             <a:r>
+              <a:rPr lang="en-US" sz="1700" dirty="0"/>
+              <a:t>Significant manual effort is required across multiple teams</a:t>
+            </a:r>
+          </a:p>
+          <a:p>
+            <a:pPr lvl="1">
+              <a:buFont typeface="Arial" panose="020B0604020202020204" pitchFamily="34" charset="0"/>
+              <a:buChar char="•"/>
+            </a:pPr>
+            <a:r>
+              <a:rPr lang="en-US" sz="1700" dirty="0"/>
+              <a:t>Manpower costs increase for low-value, repetitive work</a:t>
+            </a:r>
+          </a:p>
+          <a:p>
+            <a:pPr lvl="1">
+              <a:buFont typeface="Arial" panose="020B0604020202020204" pitchFamily="34" charset="0"/>
+              <a:buChar char="•"/>
+            </a:pPr>
+            <a:r>
+              <a:rPr lang="en-US" sz="1700" dirty="0"/>
+              <a:t>Verification timeline are extended, delaying downstream processes</a:t>
+            </a:r>
+          </a:p>
+          <a:p>
+            <a:pPr>
+              <a:buFont typeface="Arial" panose="020B0604020202020204" pitchFamily="34" charset="0"/>
+              <a:buChar char="•"/>
+            </a:pPr>
+            <a:endParaRPr lang="en-US" sz="1700" dirty="0"/>
+          </a:p>
+          <a:p>
+            <a:r>
               <a:rPr lang="en-US" sz="2000" dirty="0"/>
-              <a:t>Public search result are capped at 1,000 agents per query</a:t>
-            </a:r>
-          </a:p>
-          <a:p>
-            <a:pPr marL="342900" indent="-342900">
-              <a:buFontTx/>
-              <a:buChar char="-"/>
+              <a:t>Opportunity:</a:t>
+            </a:r>
+          </a:p>
+          <a:p>
+            <a:pPr lvl="1">
+              <a:buFont typeface="Arial" panose="020B0604020202020204" pitchFamily="34" charset="0"/>
+              <a:buChar char="•"/>
             </a:pPr>
             <a:r>
-              <a:rPr lang="en-US" sz="2000" dirty="0"/>
-              <a:t>Search logic is character-based inclusion rather than prefix-based, causing broad searches to omit agents beyond the cap</a:t>
-            </a:r>
-          </a:p>
-          <a:p>
-            <a:pPr marL="342900" indent="-342900">
-              <a:buFontTx/>
-              <a:buChar char="-"/>
+              <a:rPr lang="en-US" sz="1700" dirty="0"/>
+              <a:t>Reduce manual search effort through improved data access</a:t>
+            </a:r>
+          </a:p>
+          <a:p>
+            <a:pPr lvl="1">
+              <a:buFont typeface="Arial" panose="020B0604020202020204" pitchFamily="34" charset="0"/>
+              <a:buChar char="•"/>
             </a:pPr>
             <a:r>
-              <a:rPr lang="en-US" sz="2000" dirty="0"/>
-              <a:t>Internal downloads are limited to active AIA agents and no not cover all verification needs</a:t>
-            </a:r>
-          </a:p>
-          <a:p>
+              <a:rPr lang="en-US" sz="1700" dirty="0"/>
+              <a:t>Improve consistency, scalability, and efficiency</a:t>
+            </a:r>
+          </a:p>
+          <a:p>
+            <a:pPr lvl="1">
+              <a:buFont typeface="Arial" panose="020B0604020202020204" pitchFamily="34" charset="0"/>
+              <a:buChar char="•"/>
+            </a:pPr>
+            <a:r>
+              <a:rPr lang="en-US" sz="1700" dirty="0"/>
+              <a:t>Enable a more suitable verification process</a:t>
+            </a:r>
+          </a:p>
+          <a:p>
+            <a:pPr marL="457200" lvl="1" indent="0">
+              <a:buNone/>
+            </a:pPr>
             <a:endParaRPr lang="en-GB" sz="2000" dirty="0"/>
-          </a:p>
-        </p:txBody>
-      </p:sp>
-      <p:sp>
-        <p:nvSpPr>
-          <p:cNvPr id="3" name="Text Placeholder 2">
-            <a:extLst>
-              <a:ext uri="{FF2B5EF4-FFF2-40B4-BE49-F238E27FC236}">
-                <a16:creationId xmlns:a16="http://schemas.microsoft.com/office/drawing/2014/main" id="{198B7243-2A3A-CB26-01D7-B65EA12059D5}"/>
-              </a:ext>
-            </a:extLst>
-          </p:cNvPr>
-          <p:cNvSpPr>
-            <a:spLocks noGrp="1"/>
-          </p:cNvSpPr>
-          <p:nvPr>
-            <p:ph type="body" sz="quarter" idx="16"/>
-          </p:nvPr>
-        </p:nvSpPr>
-        <p:spPr>
-          <a:xfrm>
-            <a:off x="5330709" y="1790313"/>
-            <a:ext cx="4831385" cy="4252528"/>
-          </a:xfrm>
-        </p:spPr>
-        <p:txBody>
-          <a:bodyPr/>
-          <a:lstStyle/>
-          <a:p>
-            <a:r>
-              <a:rPr lang="en-US" sz="2000" dirty="0"/>
-              <a:t>AMCM Limitations:</a:t>
-            </a:r>
-          </a:p>
-          <a:p>
-            <a:pPr marL="342900" indent="-342900">
-              <a:buFontTx/>
-              <a:buChar char="-"/>
-            </a:pPr>
-            <a:r>
-              <a:rPr lang="en-GB" sz="2000" dirty="0"/>
-              <a:t>Internal tools provide access to active AIA agents lists but data is not always up to date</a:t>
-            </a:r>
-          </a:p>
-          <a:p>
-            <a:pPr marL="342900" indent="-342900">
-              <a:buFontTx/>
-              <a:buChar char="-"/>
-            </a:pPr>
-            <a:r>
-              <a:rPr lang="en-GB" sz="2000" dirty="0"/>
-              <a:t>Information gaps still require manual verification through the public website</a:t>
-            </a:r>
           </a:p>
           <a:p>
             <a:endParaRPr lang="en-GB" sz="2000" dirty="0"/>
@@ -4950,7 +4942,7 @@
           <p:cNvPr id="4" name="Text Placeholder 3">
             <a:extLst>
               <a:ext uri="{FF2B5EF4-FFF2-40B4-BE49-F238E27FC236}">
-                <a16:creationId xmlns:a16="http://schemas.microsoft.com/office/drawing/2014/main" id="{29598257-0921-3D13-8E57-DCFE3A355707}"/>
+                <a16:creationId xmlns:a16="http://schemas.microsoft.com/office/drawing/2014/main" id="{F4E181A0-7BE7-ACAD-4C81-41DA14D3C0AA}"/>
               </a:ext>
             </a:extLst>
           </p:cNvPr>
@@ -4968,7 +4960,7 @@
           <a:p>
             <a:r>
               <a:rPr lang="en-US" dirty="0"/>
-              <a:t>System Limitations in HKIA &amp; AMCM Data Access</a:t>
+              <a:t>Operational Impact &amp; Opportunity</a:t>
             </a:r>
             <a:endParaRPr lang="en-GB" dirty="0"/>
           </a:p>
@@ -4977,7 +4969,7 @@
     </p:spTree>
     <p:extLst>
       <p:ext uri="{BB962C8B-B14F-4D97-AF65-F5344CB8AC3E}">
-        <p14:creationId xmlns:p14="http://schemas.microsoft.com/office/powerpoint/2010/main" val="1691144375"/>
+        <p14:creationId xmlns:p14="http://schemas.microsoft.com/office/powerpoint/2010/main" val="2603915670"/>
       </p:ext>
     </p:extLst>
   </p:cSld>
@@ -5009,7 +5001,7 @@
           <p:cNvPr id="2" name="Text Placeholder 1">
             <a:extLst>
               <a:ext uri="{FF2B5EF4-FFF2-40B4-BE49-F238E27FC236}">
-                <a16:creationId xmlns:a16="http://schemas.microsoft.com/office/drawing/2014/main" id="{00C0BC59-37A1-20C6-34EB-C0DF8B21127C}"/>
+                <a16:creationId xmlns:a16="http://schemas.microsoft.com/office/drawing/2014/main" id="{830E955A-1022-A907-E30A-28099FD26496}"/>
               </a:ext>
             </a:extLst>
           </p:cNvPr>
@@ -5022,8 +5014,8 @@
         </p:nvSpPr>
         <p:spPr>
           <a:xfrm>
-            <a:off x="359999" y="1800000"/>
-            <a:ext cx="7643357" cy="3931497"/>
+            <a:off x="360000" y="1800000"/>
+            <a:ext cx="9584100" cy="3695827"/>
           </a:xfrm>
         </p:spPr>
         <p:txBody>
@@ -5032,59 +5024,74 @@
           <a:p>
             <a:r>
               <a:rPr lang="en-US" sz="2000" dirty="0"/>
-              <a:t>No single source provides complete, timely, and authoritative agent data</a:t>
+              <a:t>Proposed Direction:</a:t>
+            </a:r>
+          </a:p>
+          <a:p>
+            <a:pPr lvl="1">
+              <a:buFont typeface="Arial" panose="020B0604020202020204" pitchFamily="34" charset="0"/>
+              <a:buChar char="•"/>
+            </a:pPr>
+            <a:r>
+              <a:rPr lang="en-US" sz="1700" dirty="0"/>
+              <a:t>Improve access to complete and authoritative agent data</a:t>
+            </a:r>
+          </a:p>
+          <a:p>
+            <a:pPr lvl="1">
+              <a:buFont typeface="Arial" panose="020B0604020202020204" pitchFamily="34" charset="0"/>
+              <a:buChar char="•"/>
+            </a:pPr>
+            <a:r>
+              <a:rPr lang="en-US" sz="1700" dirty="0"/>
+              <a:t>Reduce reliance on manual public website searches</a:t>
+            </a:r>
+          </a:p>
+          <a:p>
+            <a:pPr lvl="1">
+              <a:buFont typeface="Arial" panose="020B0604020202020204" pitchFamily="34" charset="0"/>
+              <a:buChar char="•"/>
+            </a:pPr>
+            <a:r>
+              <a:rPr lang="en-US" sz="1700" dirty="0"/>
+              <a:t>Explore scalable and compliant automation approaches</a:t>
             </a:r>
           </a:p>
           <a:p>
             <a:r>
               <a:rPr lang="en-US" sz="2000" dirty="0"/>
-              <a:t>Internal tools reduce effort but do not eliminate the need for manual public website searches</a:t>
-            </a:r>
-          </a:p>
-          <a:p>
-            <a:r>
-              <a:rPr lang="en-GB" sz="2000" dirty="0"/>
-              <a:t>Manual verification remains unavoidable for accuracy and completeness</a:t>
-            </a:r>
-          </a:p>
-          <a:p>
-            <a:r>
-              <a:rPr lang="en-GB" sz="2000" dirty="0"/>
-              <a:t>Current approaches do not scale as data volume and demand increase</a:t>
-            </a:r>
-          </a:p>
-          <a:p>
-            <a:endParaRPr lang="en-GB" sz="2000" dirty="0"/>
-          </a:p>
-        </p:txBody>
-      </p:sp>
-      <p:sp>
-        <p:nvSpPr>
-          <p:cNvPr id="3" name="Text Placeholder 2">
-            <a:extLst>
-              <a:ext uri="{FF2B5EF4-FFF2-40B4-BE49-F238E27FC236}">
-                <a16:creationId xmlns:a16="http://schemas.microsoft.com/office/drawing/2014/main" id="{3F8F4C01-FA08-4AFA-70A1-71533D593EF9}"/>
-              </a:ext>
-            </a:extLst>
-          </p:cNvPr>
-          <p:cNvSpPr>
-            <a:spLocks noGrp="1"/>
-          </p:cNvSpPr>
-          <p:nvPr>
-            <p:ph type="body" sz="quarter" idx="16"/>
-          </p:nvPr>
-        </p:nvSpPr>
-        <p:spPr>
-          <a:xfrm>
-            <a:off x="8328433" y="420279"/>
-            <a:ext cx="3600000" cy="2916793"/>
-          </a:xfrm>
-        </p:spPr>
-        <p:txBody>
-          <a:bodyPr/>
-          <a:lstStyle/>
-          <a:p>
-            <a:endParaRPr lang="en-GB" dirty="0"/>
+              <a:t>Next Step:</a:t>
+            </a:r>
+          </a:p>
+          <a:p>
+            <a:pPr lvl="1">
+              <a:buFont typeface="Arial" panose="020B0604020202020204" pitchFamily="34" charset="0"/>
+              <a:buChar char="•"/>
+            </a:pPr>
+            <a:r>
+              <a:rPr lang="en-US" sz="1700" dirty="0"/>
+              <a:t>Engage stakeholders to confirm requirements and constraints</a:t>
+            </a:r>
+          </a:p>
+          <a:p>
+            <a:pPr lvl="1">
+              <a:buFont typeface="Arial" panose="020B0604020202020204" pitchFamily="34" charset="0"/>
+              <a:buChar char="•"/>
+            </a:pPr>
+            <a:r>
+              <a:rPr lang="en-US" sz="1700" dirty="0"/>
+              <a:t>Assess feasible data access or integration options</a:t>
+            </a:r>
+          </a:p>
+          <a:p>
+            <a:pPr lvl="1">
+              <a:buFont typeface="Arial" panose="020B0604020202020204" pitchFamily="34" charset="0"/>
+              <a:buChar char="•"/>
+            </a:pPr>
+            <a:r>
+              <a:rPr lang="en-US" sz="1700" dirty="0"/>
+              <a:t>Evaluate compliance, governance, and data usage implications</a:t>
+            </a:r>
           </a:p>
         </p:txBody>
       </p:sp>
@@ -5093,7 +5100,7 @@
           <p:cNvPr id="4" name="Text Placeholder 3">
             <a:extLst>
               <a:ext uri="{FF2B5EF4-FFF2-40B4-BE49-F238E27FC236}">
-                <a16:creationId xmlns:a16="http://schemas.microsoft.com/office/drawing/2014/main" id="{386926A6-5B7F-3F19-CD7E-1B5A0B61B89B}"/>
+                <a16:creationId xmlns:a16="http://schemas.microsoft.com/office/drawing/2014/main" id="{31F91DFC-A564-484B-4811-855AD5E98096}"/>
               </a:ext>
             </a:extLst>
           </p:cNvPr>
@@ -5111,282 +5118,7 @@
           <a:p>
             <a:r>
               <a:rPr lang="en-US" dirty="0"/>
-              <a:t>Core Problem Across HKIA &amp; AMCM</a:t>
-            </a:r>
-            <a:endParaRPr lang="en-GB" dirty="0"/>
-          </a:p>
-        </p:txBody>
-      </p:sp>
-    </p:spTree>
-    <p:extLst>
-      <p:ext uri="{BB962C8B-B14F-4D97-AF65-F5344CB8AC3E}">
-        <p14:creationId xmlns:p14="http://schemas.microsoft.com/office/powerpoint/2010/main" val="3132623177"/>
-      </p:ext>
-    </p:extLst>
-  </p:cSld>
-  <p:clrMapOvr>
-    <a:masterClrMapping/>
-  </p:clrMapOvr>
-</p:sld>
-</file>
-
-<file path=ppt/slides/slide6.xml><?xml version="1.0" encoding="utf-8"?>
-<p:sld xmlns:a="http://schemas.openxmlformats.org/drawingml/2006/main" xmlns:r="http://schemas.openxmlformats.org/officeDocument/2006/relationships" xmlns:p="http://schemas.openxmlformats.org/presentationml/2006/main">
-  <p:cSld>
-    <p:spTree>
-      <p:nvGrpSpPr>
-        <p:cNvPr id="1" name=""/>
-        <p:cNvGrpSpPr/>
-        <p:nvPr/>
-      </p:nvGrpSpPr>
-      <p:grpSpPr>
-        <a:xfrm>
-          <a:off x="0" y="0"/>
-          <a:ext cx="0" cy="0"/>
-          <a:chOff x="0" y="0"/>
-          <a:chExt cx="0" cy="0"/>
-        </a:xfrm>
-      </p:grpSpPr>
-      <p:sp>
-        <p:nvSpPr>
-          <p:cNvPr id="2" name="Text Placeholder 1">
-            <a:extLst>
-              <a:ext uri="{FF2B5EF4-FFF2-40B4-BE49-F238E27FC236}">
-                <a16:creationId xmlns:a16="http://schemas.microsoft.com/office/drawing/2014/main" id="{AC9CDF41-0484-2F8B-2D32-EFB6D56BE566}"/>
-              </a:ext>
-            </a:extLst>
-          </p:cNvPr>
-          <p:cNvSpPr>
-            <a:spLocks noGrp="1"/>
-          </p:cNvSpPr>
-          <p:nvPr>
-            <p:ph type="body" sz="quarter" idx="12"/>
-          </p:nvPr>
-        </p:nvSpPr>
-        <p:spPr>
-          <a:xfrm>
-            <a:off x="360000" y="1800000"/>
-            <a:ext cx="7332272" cy="2916793"/>
-          </a:xfrm>
-        </p:spPr>
-        <p:txBody>
-          <a:bodyPr/>
-          <a:lstStyle/>
-          <a:p>
-            <a:r>
-              <a:rPr lang="en-US" sz="2000" dirty="0"/>
-              <a:t>Significant manual effort is required across multiple teams</a:t>
-            </a:r>
-          </a:p>
-          <a:p>
-            <a:r>
-              <a:rPr lang="en-US" sz="2000" dirty="0"/>
-              <a:t>Manpower costs increase for low-value, repetitive work</a:t>
-            </a:r>
-          </a:p>
-          <a:p>
-            <a:r>
-              <a:rPr lang="en-US" sz="2000" dirty="0"/>
-              <a:t>Verification timeline are extended, delaying downstream processes</a:t>
-            </a:r>
-            <a:endParaRPr lang="en-GB" sz="2000" dirty="0"/>
-          </a:p>
-          <a:p>
-            <a:endParaRPr lang="en-GB" sz="2000" dirty="0"/>
-          </a:p>
-        </p:txBody>
-      </p:sp>
-      <p:sp>
-        <p:nvSpPr>
-          <p:cNvPr id="3" name="Text Placeholder 2">
-            <a:extLst>
-              <a:ext uri="{FF2B5EF4-FFF2-40B4-BE49-F238E27FC236}">
-                <a16:creationId xmlns:a16="http://schemas.microsoft.com/office/drawing/2014/main" id="{964E129F-02D3-AAA7-B946-DC8986CDDF87}"/>
-              </a:ext>
-            </a:extLst>
-          </p:cNvPr>
-          <p:cNvSpPr>
-            <a:spLocks noGrp="1"/>
-          </p:cNvSpPr>
-          <p:nvPr>
-            <p:ph type="body" sz="quarter" idx="16"/>
-          </p:nvPr>
-        </p:nvSpPr>
-        <p:spPr>
-          <a:xfrm>
-            <a:off x="8121043" y="341603"/>
-            <a:ext cx="3600000" cy="2916793"/>
-          </a:xfrm>
-        </p:spPr>
-        <p:txBody>
-          <a:bodyPr/>
-          <a:lstStyle/>
-          <a:p>
-            <a:endParaRPr lang="en-GB" dirty="0"/>
-          </a:p>
-        </p:txBody>
-      </p:sp>
-      <p:sp>
-        <p:nvSpPr>
-          <p:cNvPr id="4" name="Text Placeholder 3">
-            <a:extLst>
-              <a:ext uri="{FF2B5EF4-FFF2-40B4-BE49-F238E27FC236}">
-                <a16:creationId xmlns:a16="http://schemas.microsoft.com/office/drawing/2014/main" id="{F4E181A0-7BE7-ACAD-4C81-41DA14D3C0AA}"/>
-              </a:ext>
-            </a:extLst>
-          </p:cNvPr>
-          <p:cNvSpPr>
-            <a:spLocks noGrp="1"/>
-          </p:cNvSpPr>
-          <p:nvPr>
-            <p:ph type="body" sz="quarter" idx="10"/>
-          </p:nvPr>
-        </p:nvSpPr>
-        <p:spPr/>
-        <p:txBody>
-          <a:bodyPr/>
-          <a:lstStyle/>
-          <a:p>
-            <a:r>
-              <a:rPr lang="en-US" dirty="0"/>
-              <a:t>Operational and Business Impact</a:t>
-            </a:r>
-            <a:endParaRPr lang="en-GB" dirty="0"/>
-          </a:p>
-        </p:txBody>
-      </p:sp>
-    </p:spTree>
-    <p:extLst>
-      <p:ext uri="{BB962C8B-B14F-4D97-AF65-F5344CB8AC3E}">
-        <p14:creationId xmlns:p14="http://schemas.microsoft.com/office/powerpoint/2010/main" val="2603915670"/>
-      </p:ext>
-    </p:extLst>
-  </p:cSld>
-  <p:clrMapOvr>
-    <a:masterClrMapping/>
-  </p:clrMapOvr>
-</p:sld>
-</file>
-
-<file path=ppt/slides/slide7.xml><?xml version="1.0" encoding="utf-8"?>
-<p:sld xmlns:a="http://schemas.openxmlformats.org/drawingml/2006/main" xmlns:r="http://schemas.openxmlformats.org/officeDocument/2006/relationships" xmlns:p="http://schemas.openxmlformats.org/presentationml/2006/main">
-  <p:cSld>
-    <p:spTree>
-      <p:nvGrpSpPr>
-        <p:cNvPr id="1" name=""/>
-        <p:cNvGrpSpPr/>
-        <p:nvPr/>
-      </p:nvGrpSpPr>
-      <p:grpSpPr>
-        <a:xfrm>
-          <a:off x="0" y="0"/>
-          <a:ext cx="0" cy="0"/>
-          <a:chOff x="0" y="0"/>
-          <a:chExt cx="0" cy="0"/>
-        </a:xfrm>
-      </p:grpSpPr>
-      <p:sp>
-        <p:nvSpPr>
-          <p:cNvPr id="2" name="Text Placeholder 1">
-            <a:extLst>
-              <a:ext uri="{FF2B5EF4-FFF2-40B4-BE49-F238E27FC236}">
-                <a16:creationId xmlns:a16="http://schemas.microsoft.com/office/drawing/2014/main" id="{830E955A-1022-A907-E30A-28099FD26496}"/>
-              </a:ext>
-            </a:extLst>
-          </p:cNvPr>
-          <p:cNvSpPr>
-            <a:spLocks noGrp="1"/>
-          </p:cNvSpPr>
-          <p:nvPr>
-            <p:ph type="body" sz="quarter" idx="12"/>
-          </p:nvPr>
-        </p:nvSpPr>
-        <p:spPr>
-          <a:xfrm>
-            <a:off x="360000" y="1800000"/>
-            <a:ext cx="7473674" cy="3695827"/>
-          </a:xfrm>
-        </p:spPr>
-        <p:txBody>
-          <a:bodyPr/>
-          <a:lstStyle/>
-          <a:p>
-            <a:r>
-              <a:rPr lang="en-US" sz="2000" dirty="0"/>
-              <a:t>There is an opportunity to reduce manual search effort through improved data access method</a:t>
-            </a:r>
-          </a:p>
-          <a:p>
-            <a:r>
-              <a:rPr lang="en-US" sz="2000" dirty="0"/>
-              <a:t>A more centralized or automated approach could improve consistency, scalability and efficiency</a:t>
-            </a:r>
-          </a:p>
-          <a:p>
-            <a:r>
-              <a:rPr lang="en-US" sz="2000" dirty="0"/>
-              <a:t>Any future solution must align with compliance, governance, and data usage constraints</a:t>
-            </a:r>
-          </a:p>
-          <a:p>
-            <a:endParaRPr lang="en-GB" sz="2000" dirty="0"/>
-          </a:p>
-        </p:txBody>
-      </p:sp>
-      <p:sp>
-        <p:nvSpPr>
-          <p:cNvPr id="3" name="Text Placeholder 2">
-            <a:extLst>
-              <a:ext uri="{FF2B5EF4-FFF2-40B4-BE49-F238E27FC236}">
-                <a16:creationId xmlns:a16="http://schemas.microsoft.com/office/drawing/2014/main" id="{95547B82-E82E-393B-37EA-BB0CBEEC71F9}"/>
-              </a:ext>
-            </a:extLst>
-          </p:cNvPr>
-          <p:cNvSpPr>
-            <a:spLocks noGrp="1"/>
-          </p:cNvSpPr>
-          <p:nvPr>
-            <p:ph type="body" sz="quarter" idx="16"/>
-          </p:nvPr>
-        </p:nvSpPr>
-        <p:spPr>
-          <a:xfrm>
-            <a:off x="8158750" y="420279"/>
-            <a:ext cx="3600000" cy="2916793"/>
-          </a:xfrm>
-        </p:spPr>
-        <p:txBody>
-          <a:bodyPr/>
-          <a:lstStyle/>
-          <a:p>
-            <a:endParaRPr lang="en-GB" dirty="0"/>
-          </a:p>
-        </p:txBody>
-      </p:sp>
-      <p:sp>
-        <p:nvSpPr>
-          <p:cNvPr id="4" name="Text Placeholder 3">
-            <a:extLst>
-              <a:ext uri="{FF2B5EF4-FFF2-40B4-BE49-F238E27FC236}">
-                <a16:creationId xmlns:a16="http://schemas.microsoft.com/office/drawing/2014/main" id="{31F91DFC-A564-484B-4811-855AD5E98096}"/>
-              </a:ext>
-            </a:extLst>
-          </p:cNvPr>
-          <p:cNvSpPr>
-            <a:spLocks noGrp="1"/>
-          </p:cNvSpPr>
-          <p:nvPr>
-            <p:ph type="body" sz="quarter" idx="10"/>
-          </p:nvPr>
-        </p:nvSpPr>
-        <p:spPr/>
-        <p:txBody>
-          <a:bodyPr/>
-          <a:lstStyle/>
-          <a:p>
-            <a:r>
-              <a:rPr lang="en-US" dirty="0"/>
-              <a:t>Opportunity for Improvement</a:t>
+              <a:t>Proposed Direction &amp; Next Step</a:t>
             </a:r>
             <a:endParaRPr lang="en-GB" dirty="0"/>
           </a:p>
@@ -5408,150 +5140,7 @@
 </p:sld>
 </file>
 
-<file path=ppt/slides/slide8.xml><?xml version="1.0" encoding="utf-8"?>
-<p:sld xmlns:a="http://schemas.openxmlformats.org/drawingml/2006/main" xmlns:r="http://schemas.openxmlformats.org/officeDocument/2006/relationships" xmlns:p="http://schemas.openxmlformats.org/presentationml/2006/main">
-  <p:cSld>
-    <p:spTree>
-      <p:nvGrpSpPr>
-        <p:cNvPr id="1" name=""/>
-        <p:cNvGrpSpPr/>
-        <p:nvPr/>
-      </p:nvGrpSpPr>
-      <p:grpSpPr>
-        <a:xfrm>
-          <a:off x="0" y="0"/>
-          <a:ext cx="0" cy="0"/>
-          <a:chOff x="0" y="0"/>
-          <a:chExt cx="0" cy="0"/>
-        </a:xfrm>
-      </p:grpSpPr>
-      <p:sp>
-        <p:nvSpPr>
-          <p:cNvPr id="2" name="Text Placeholder 1">
-            <a:extLst>
-              <a:ext uri="{FF2B5EF4-FFF2-40B4-BE49-F238E27FC236}">
-                <a16:creationId xmlns:a16="http://schemas.microsoft.com/office/drawing/2014/main" id="{E29620A3-A793-5479-6B06-FBD994628A25}"/>
-              </a:ext>
-            </a:extLst>
-          </p:cNvPr>
-          <p:cNvSpPr>
-            <a:spLocks noGrp="1"/>
-          </p:cNvSpPr>
-          <p:nvPr>
-            <p:ph type="body" sz="quarter" idx="12"/>
-          </p:nvPr>
-        </p:nvSpPr>
-        <p:spPr>
-          <a:xfrm>
-            <a:off x="359999" y="1800000"/>
-            <a:ext cx="7388833" cy="3856082"/>
-          </a:xfrm>
-        </p:spPr>
-        <p:txBody>
-          <a:bodyPr/>
-          <a:lstStyle/>
-          <a:p>
-            <a:r>
-              <a:rPr lang="en-US" sz="2000" dirty="0"/>
-              <a:t>Assess feasibility of alternative data access options or integration mechanisms</a:t>
-            </a:r>
-          </a:p>
-          <a:p>
-            <a:r>
-              <a:rPr lang="en-US" sz="2000" dirty="0"/>
-              <a:t>Explore automation opportunities while respecting regulatory and compliance requirements</a:t>
-            </a:r>
-          </a:p>
-          <a:p>
-            <a:r>
-              <a:rPr lang="en-US" sz="2000" dirty="0"/>
-              <a:t>Align stakeholders on data governance, ownership, and acceptable usage</a:t>
-            </a:r>
-          </a:p>
-          <a:p>
-            <a:pPr marL="0" indent="0">
-              <a:buNone/>
-            </a:pPr>
-            <a:endParaRPr lang="en-US" sz="2000" dirty="0"/>
-          </a:p>
-          <a:p>
-            <a:endParaRPr lang="en-GB" sz="2000" dirty="0"/>
-          </a:p>
-        </p:txBody>
-      </p:sp>
-      <p:sp>
-        <p:nvSpPr>
-          <p:cNvPr id="3" name="Text Placeholder 2">
-            <a:extLst>
-              <a:ext uri="{FF2B5EF4-FFF2-40B4-BE49-F238E27FC236}">
-                <a16:creationId xmlns:a16="http://schemas.microsoft.com/office/drawing/2014/main" id="{75F189FD-38C3-BC41-F883-EFAC78E61734}"/>
-              </a:ext>
-            </a:extLst>
-          </p:cNvPr>
-          <p:cNvSpPr>
-            <a:spLocks noGrp="1"/>
-          </p:cNvSpPr>
-          <p:nvPr>
-            <p:ph type="body" sz="quarter" idx="16"/>
-          </p:nvPr>
-        </p:nvSpPr>
-        <p:spPr>
-          <a:xfrm>
-            <a:off x="8111616" y="341603"/>
-            <a:ext cx="3600000" cy="2916793"/>
-          </a:xfrm>
-        </p:spPr>
-        <p:txBody>
-          <a:bodyPr/>
-          <a:lstStyle/>
-          <a:p>
-            <a:endParaRPr lang="en-GB" dirty="0"/>
-          </a:p>
-        </p:txBody>
-      </p:sp>
-      <p:sp>
-        <p:nvSpPr>
-          <p:cNvPr id="4" name="Text Placeholder 3">
-            <a:extLst>
-              <a:ext uri="{FF2B5EF4-FFF2-40B4-BE49-F238E27FC236}">
-                <a16:creationId xmlns:a16="http://schemas.microsoft.com/office/drawing/2014/main" id="{0BD4B080-90CB-5E83-3630-1615949B0CF1}"/>
-              </a:ext>
-            </a:extLst>
-          </p:cNvPr>
-          <p:cNvSpPr>
-            <a:spLocks noGrp="1"/>
-          </p:cNvSpPr>
-          <p:nvPr>
-            <p:ph type="body" sz="quarter" idx="10"/>
-          </p:nvPr>
-        </p:nvSpPr>
-        <p:spPr/>
-        <p:txBody>
-          <a:bodyPr/>
-          <a:lstStyle/>
-          <a:p>
-            <a:r>
-              <a:rPr lang="en-US" dirty="0"/>
-              <a:t>Proposed Direction and Next Steps</a:t>
-            </a:r>
-            <a:endParaRPr lang="en-GB" dirty="0"/>
-          </a:p>
-        </p:txBody>
-      </p:sp>
-    </p:spTree>
-    <p:extLst>
-      <p:ext uri="{BB962C8B-B14F-4D97-AF65-F5344CB8AC3E}">
-        <p14:creationId xmlns:p14="http://schemas.microsoft.com/office/powerpoint/2010/main" val="2654529166"/>
-      </p:ext>
-    </p:extLst>
-  </p:cSld>
-  <p:clrMapOvr>
-    <a:masterClrMapping/>
-  </p:clrMapOvr>
-</p:sld>
-</file>
-
-<file path=ppt/slides/slide9.xml><?xml version="1.0" encoding="utf-8"?>
+<file path=ppt/slides/slide6.xml><?xml version="1.0" encoding="utf-8"?>
 <p:sld xmlns:a="http://schemas.openxmlformats.org/drawingml/2006/main" xmlns:r="http://schemas.openxmlformats.org/officeDocument/2006/relationships" xmlns:p="http://schemas.openxmlformats.org/presentationml/2006/main">
   <p:cSld>
     <p:spTree>

--- a/powerpoint/fetch_agent-draft.pptx
+++ b/powerpoint/fetch_agent-draft.pptx
@@ -9,8 +9,9 @@
     <p:sldId id="257" r:id="rId3"/>
     <p:sldId id="259" r:id="rId4"/>
     <p:sldId id="261" r:id="rId5"/>
-    <p:sldId id="262" r:id="rId6"/>
-    <p:sldId id="264" r:id="rId7"/>
+    <p:sldId id="265" r:id="rId6"/>
+    <p:sldId id="262" r:id="rId7"/>
+    <p:sldId id="264" r:id="rId8"/>
   </p:sldIdLst>
   <p:sldSz cx="12192000" cy="6858000"/>
   <p:notesSz cx="6858000" cy="9144000"/>
@@ -4491,8 +4492,8 @@
         </p:nvSpPr>
         <p:spPr>
           <a:xfrm>
-            <a:off x="454524" y="1845928"/>
-            <a:ext cx="5400000" cy="3166144"/>
+            <a:off x="454524" y="1976556"/>
+            <a:ext cx="5709512" cy="3166144"/>
           </a:xfrm>
         </p:spPr>
         <p:txBody>
@@ -4500,16 +4501,22 @@
           <a:lstStyle/>
           <a:p>
             <a:r>
-              <a:rPr lang="en-US" dirty="0"/>
+              <a:rPr lang="en-US" sz="4000" dirty="0"/>
               <a:t>Investigation Summary: </a:t>
             </a:r>
           </a:p>
           <a:p>
             <a:r>
-              <a:rPr lang="en-US" dirty="0"/>
-              <a:t>HKIA &amp; AMCM Agent Data Access</a:t>
-            </a:r>
-            <a:endParaRPr lang="en-GB" dirty="0"/>
+              <a:rPr lang="en-US" sz="3000" dirty="0"/>
+              <a:t>HKIA &amp; AMCM </a:t>
+            </a:r>
+          </a:p>
+          <a:p>
+            <a:r>
+              <a:rPr lang="en-US" sz="3000" dirty="0"/>
+              <a:t>Agent Data Access</a:t>
+            </a:r>
+            <a:endParaRPr lang="en-GB" sz="3000" dirty="0"/>
           </a:p>
         </p:txBody>
       </p:sp>
@@ -4561,8 +4568,8 @@
         </p:nvSpPr>
         <p:spPr>
           <a:xfrm>
-            <a:off x="359999" y="1800000"/>
-            <a:ext cx="8571730" cy="3705254"/>
+            <a:off x="360000" y="1457099"/>
+            <a:ext cx="9624921" cy="3522225"/>
           </a:xfrm>
         </p:spPr>
         <p:txBody>
@@ -4571,7 +4578,37 @@
           <a:p>
             <a:r>
               <a:rPr lang="en-US" sz="2000" dirty="0"/>
-              <a:t>Agent Data comes from HKIA, AMCM, and internal AIA downloads</a:t>
+              <a:t>Agent Data comes from:</a:t>
+            </a:r>
+          </a:p>
+          <a:p>
+            <a:pPr lvl="1">
+              <a:buFont typeface="Arial" panose="020B0604020202020204" pitchFamily="34" charset="0"/>
+              <a:buChar char="•"/>
+            </a:pPr>
+            <a:r>
+              <a:rPr lang="en-US" sz="1700" dirty="0"/>
+              <a:t>HKIA</a:t>
+            </a:r>
+          </a:p>
+          <a:p>
+            <a:pPr lvl="1">
+              <a:buFont typeface="Arial" panose="020B0604020202020204" pitchFamily="34" charset="0"/>
+              <a:buChar char="•"/>
+            </a:pPr>
+            <a:r>
+              <a:rPr lang="en-US" sz="1700" dirty="0"/>
+              <a:t>AMCM</a:t>
+            </a:r>
+          </a:p>
+          <a:p>
+            <a:pPr lvl="1">
+              <a:buFont typeface="Arial" panose="020B0604020202020204" pitchFamily="34" charset="0"/>
+              <a:buChar char="•"/>
+            </a:pPr>
+            <a:r>
+              <a:rPr lang="en-US" sz="1700" dirty="0"/>
+              <a:t>Internal downloads</a:t>
             </a:r>
           </a:p>
           <a:p>
@@ -4583,7 +4620,7 @@
           <a:p>
             <a:r>
               <a:rPr lang="en-US" sz="2000" dirty="0"/>
-              <a:t>Users manually search HKIA / AMCM websites to verify missing details</a:t>
+              <a:t>Manual public website searches</a:t>
             </a:r>
           </a:p>
           <a:p>
@@ -4623,6 +4660,66 @@
           </a:p>
         </p:txBody>
       </p:sp>
+      <p:pic>
+        <p:nvPicPr>
+          <p:cNvPr id="5" name="Picture 4">
+            <a:extLst>
+              <a:ext uri="{FF2B5EF4-FFF2-40B4-BE49-F238E27FC236}">
+                <a16:creationId xmlns:a16="http://schemas.microsoft.com/office/drawing/2014/main" id="{E4483746-391C-00BD-3CFB-08D7F58C08F4}"/>
+              </a:ext>
+            </a:extLst>
+          </p:cNvPr>
+          <p:cNvPicPr>
+            <a:picLocks noChangeAspect="1"/>
+          </p:cNvPicPr>
+          <p:nvPr/>
+        </p:nvPicPr>
+        <p:blipFill>
+          <a:blip r:embed="rId2"/>
+          <a:stretch>
+            <a:fillRect/>
+          </a:stretch>
+        </p:blipFill>
+        <p:spPr>
+          <a:xfrm>
+            <a:off x="518940" y="5091137"/>
+            <a:ext cx="2467319" cy="952633"/>
+          </a:xfrm>
+          <a:prstGeom prst="rect">
+            <a:avLst/>
+          </a:prstGeom>
+        </p:spPr>
+      </p:pic>
+      <p:pic>
+        <p:nvPicPr>
+          <p:cNvPr id="7" name="Picture 6">
+            <a:extLst>
+              <a:ext uri="{FF2B5EF4-FFF2-40B4-BE49-F238E27FC236}">
+                <a16:creationId xmlns:a16="http://schemas.microsoft.com/office/drawing/2014/main" id="{85B0F8AD-21D5-7731-CC11-8EF4C9AB798F}"/>
+              </a:ext>
+            </a:extLst>
+          </p:cNvPr>
+          <p:cNvPicPr>
+            <a:picLocks noChangeAspect="1"/>
+          </p:cNvPicPr>
+          <p:nvPr/>
+        </p:nvPicPr>
+        <p:blipFill>
+          <a:blip r:embed="rId3"/>
+          <a:stretch>
+            <a:fillRect/>
+          </a:stretch>
+        </p:blipFill>
+        <p:spPr>
+          <a:xfrm>
+            <a:off x="3561432" y="5191163"/>
+            <a:ext cx="3419952" cy="752580"/>
+          </a:xfrm>
+          <a:prstGeom prst="rect">
+            <a:avLst/>
+          </a:prstGeom>
+        </p:spPr>
+      </p:pic>
     </p:spTree>
     <p:extLst>
       <p:ext uri="{BB962C8B-B14F-4D97-AF65-F5344CB8AC3E}">
@@ -4671,7 +4768,7 @@
         </p:nvSpPr>
         <p:spPr>
           <a:xfrm>
-            <a:off x="359999" y="1800000"/>
+            <a:off x="359999" y="1489757"/>
             <a:ext cx="4970711" cy="2518907"/>
           </a:xfrm>
         </p:spPr>
@@ -4685,25 +4782,35 @@
             </a:r>
           </a:p>
           <a:p>
-            <a:pPr marL="342900" indent="-342900">
-              <a:buFontTx/>
-              <a:buChar char="-"/>
+            <a:pPr lvl="1">
+              <a:buFont typeface="Arial" panose="020B0604020202020204" pitchFamily="34" charset="0"/>
+              <a:buChar char="•"/>
             </a:pPr>
             <a:r>
-              <a:rPr lang="en-US" sz="2000" dirty="0"/>
+              <a:rPr lang="en-US" sz="1700" dirty="0"/>
               <a:t>Public search result are capped at 1,000 agents per query</a:t>
             </a:r>
           </a:p>
           <a:p>
-            <a:pPr marL="342900" indent="-342900">
-              <a:buFontTx/>
-              <a:buChar char="-"/>
+            <a:pPr lvl="1">
+              <a:buFont typeface="Arial" panose="020B0604020202020204" pitchFamily="34" charset="0"/>
+              <a:buChar char="•"/>
             </a:pPr>
             <a:r>
-              <a:rPr lang="en-US" sz="2000" dirty="0"/>
+              <a:rPr lang="en-US" sz="1700" dirty="0"/>
               <a:t>Search logic is character-based inclusion rather than prefix-based</a:t>
             </a:r>
-            <a:endParaRPr lang="en-GB" sz="2000" dirty="0"/>
+          </a:p>
+          <a:p>
+            <a:pPr lvl="1">
+              <a:buFont typeface="Arial" panose="020B0604020202020204" pitchFamily="34" charset="0"/>
+              <a:buChar char="•"/>
+            </a:pPr>
+            <a:r>
+              <a:rPr lang="en-US" sz="1700" dirty="0"/>
+              <a:t>Time consuming</a:t>
+            </a:r>
+            <a:endParaRPr lang="en-GB" sz="1700" dirty="0"/>
           </a:p>
         </p:txBody>
       </p:sp>
@@ -4725,7 +4832,7 @@
         </p:nvSpPr>
         <p:spPr>
           <a:xfrm>
-            <a:off x="5330709" y="1790313"/>
+            <a:off x="5330710" y="1489756"/>
             <a:ext cx="4831385" cy="2518907"/>
           </a:xfrm>
         </p:spPr>
@@ -4739,22 +4846,22 @@
             </a:r>
           </a:p>
           <a:p>
-            <a:pPr marL="342900" indent="-342900">
-              <a:buFontTx/>
-              <a:buChar char="-"/>
+            <a:pPr lvl="1">
+              <a:buFont typeface="Arial" panose="020B0604020202020204" pitchFamily="34" charset="0"/>
+              <a:buChar char="•"/>
             </a:pPr>
             <a:r>
-              <a:rPr lang="en-GB" sz="2000" dirty="0"/>
+              <a:rPr lang="en-GB" sz="1700" dirty="0"/>
               <a:t>Internal tools are not always up to date</a:t>
             </a:r>
           </a:p>
           <a:p>
-            <a:pPr marL="342900" indent="-342900">
-              <a:buFontTx/>
-              <a:buChar char="-"/>
+            <a:pPr lvl="1">
+              <a:buFont typeface="Arial" panose="020B0604020202020204" pitchFamily="34" charset="0"/>
+              <a:buChar char="•"/>
             </a:pPr>
             <a:r>
-              <a:rPr lang="en-GB" sz="2000" dirty="0"/>
+              <a:rPr lang="en-GB" sz="1700" dirty="0"/>
               <a:t>Information gaps still require manual verification through the public website</a:t>
             </a:r>
           </a:p>
@@ -4789,6 +4896,115 @@
               <a:t>Core Problems &amp; Limitations</a:t>
             </a:r>
             <a:endParaRPr lang="en-GB" dirty="0"/>
+          </a:p>
+        </p:txBody>
+      </p:sp>
+      <p:pic>
+        <p:nvPicPr>
+          <p:cNvPr id="6" name="Picture 5">
+            <a:extLst>
+              <a:ext uri="{FF2B5EF4-FFF2-40B4-BE49-F238E27FC236}">
+                <a16:creationId xmlns:a16="http://schemas.microsoft.com/office/drawing/2014/main" id="{81E3E68C-2041-AC71-8C87-A6E4A8394586}"/>
+              </a:ext>
+            </a:extLst>
+          </p:cNvPr>
+          <p:cNvPicPr>
+            <a:picLocks noChangeAspect="1"/>
+          </p:cNvPicPr>
+          <p:nvPr/>
+        </p:nvPicPr>
+        <p:blipFill>
+          <a:blip r:embed="rId2"/>
+          <a:stretch>
+            <a:fillRect/>
+          </a:stretch>
+        </p:blipFill>
+        <p:spPr>
+          <a:xfrm>
+            <a:off x="103018" y="4289079"/>
+            <a:ext cx="5023637" cy="1338677"/>
+          </a:xfrm>
+          <a:prstGeom prst="rect">
+            <a:avLst/>
+          </a:prstGeom>
+        </p:spPr>
+      </p:pic>
+      <p:pic>
+        <p:nvPicPr>
+          <p:cNvPr id="12" name="Picture 11">
+            <a:extLst>
+              <a:ext uri="{FF2B5EF4-FFF2-40B4-BE49-F238E27FC236}">
+                <a16:creationId xmlns:a16="http://schemas.microsoft.com/office/drawing/2014/main" id="{23C6FB38-DEB2-CF7F-F9F8-F16E277FF429}"/>
+              </a:ext>
+            </a:extLst>
+          </p:cNvPr>
+          <p:cNvPicPr>
+            <a:picLocks noChangeAspect="1"/>
+          </p:cNvPicPr>
+          <p:nvPr/>
+        </p:nvPicPr>
+        <p:blipFill>
+          <a:blip r:embed="rId3"/>
+          <a:stretch>
+            <a:fillRect/>
+          </a:stretch>
+        </p:blipFill>
+        <p:spPr>
+          <a:xfrm>
+            <a:off x="6530808" y="3556425"/>
+            <a:ext cx="3465503" cy="2651635"/>
+          </a:xfrm>
+          <a:prstGeom prst="rect">
+            <a:avLst/>
+          </a:prstGeom>
+        </p:spPr>
+      </p:pic>
+      <p:sp>
+        <p:nvSpPr>
+          <p:cNvPr id="13" name="Arrow: Right 12">
+            <a:extLst>
+              <a:ext uri="{FF2B5EF4-FFF2-40B4-BE49-F238E27FC236}">
+                <a16:creationId xmlns:a16="http://schemas.microsoft.com/office/drawing/2014/main" id="{34877AAA-9C43-61C7-0D82-4B71E774712D}"/>
+              </a:ext>
+            </a:extLst>
+          </p:cNvPr>
+          <p:cNvSpPr/>
+          <p:nvPr/>
+        </p:nvSpPr>
+        <p:spPr>
+          <a:xfrm>
+            <a:off x="5494279" y="4882242"/>
+            <a:ext cx="668904" cy="273730"/>
+          </a:xfrm>
+          <a:prstGeom prst="rightArrow">
+            <a:avLst/>
+          </a:prstGeom>
+          <a:ln>
+            <a:noFill/>
+          </a:ln>
+        </p:spPr>
+        <p:style>
+          <a:lnRef idx="2">
+            <a:schemeClr val="accent1">
+              <a:shade val="50000"/>
+            </a:schemeClr>
+          </a:lnRef>
+          <a:fillRef idx="1">
+            <a:schemeClr val="accent1"/>
+          </a:fillRef>
+          <a:effectRef idx="0">
+            <a:schemeClr val="accent1"/>
+          </a:effectRef>
+          <a:fontRef idx="minor">
+            <a:schemeClr val="lt1"/>
+          </a:fontRef>
+        </p:style>
+        <p:txBody>
+          <a:bodyPr rtlCol="0" anchor="ctr"/>
+          <a:lstStyle/>
+          <a:p>
+            <a:pPr algn="ctr"/>
+            <a:endParaRPr lang="en-GB"/>
           </a:p>
         </p:txBody>
       </p:sp>
@@ -4840,8 +5056,8 @@
         </p:nvSpPr>
         <p:spPr>
           <a:xfrm>
-            <a:off x="360000" y="1669371"/>
-            <a:ext cx="7332272" cy="4853893"/>
+            <a:off x="360000" y="1505799"/>
+            <a:ext cx="9322843" cy="1754011"/>
           </a:xfrm>
         </p:spPr>
         <p:txBody>
@@ -4850,86 +5066,20 @@
           <a:p>
             <a:r>
               <a:rPr lang="en-US" sz="2000" dirty="0"/>
-              <a:t>Impact: </a:t>
-            </a:r>
-          </a:p>
-          <a:p>
-            <a:pPr lvl="1">
-              <a:buFont typeface="Arial" panose="020B0604020202020204" pitchFamily="34" charset="0"/>
-              <a:buChar char="•"/>
-            </a:pPr>
-            <a:r>
-              <a:rPr lang="en-US" sz="1700" dirty="0"/>
               <a:t>Significant manual effort is required across multiple teams</a:t>
             </a:r>
           </a:p>
           <a:p>
-            <a:pPr lvl="1">
-              <a:buFont typeface="Arial" panose="020B0604020202020204" pitchFamily="34" charset="0"/>
-              <a:buChar char="•"/>
-            </a:pPr>
-            <a:r>
-              <a:rPr lang="en-US" sz="1700" dirty="0"/>
+            <a:r>
+              <a:rPr lang="en-US" sz="2000" dirty="0"/>
               <a:t>Manpower costs increase for low-value, repetitive work</a:t>
             </a:r>
           </a:p>
           <a:p>
-            <a:pPr lvl="1">
-              <a:buFont typeface="Arial" panose="020B0604020202020204" pitchFamily="34" charset="0"/>
-              <a:buChar char="•"/>
-            </a:pPr>
-            <a:r>
-              <a:rPr lang="en-US" sz="1700" dirty="0"/>
+            <a:r>
+              <a:rPr lang="en-US" sz="2000" dirty="0"/>
               <a:t>Verification timeline are extended, delaying downstream processes</a:t>
             </a:r>
-          </a:p>
-          <a:p>
-            <a:pPr>
-              <a:buFont typeface="Arial" panose="020B0604020202020204" pitchFamily="34" charset="0"/>
-              <a:buChar char="•"/>
-            </a:pPr>
-            <a:endParaRPr lang="en-US" sz="1700" dirty="0"/>
-          </a:p>
-          <a:p>
-            <a:r>
-              <a:rPr lang="en-US" sz="2000" dirty="0"/>
-              <a:t>Opportunity:</a:t>
-            </a:r>
-          </a:p>
-          <a:p>
-            <a:pPr lvl="1">
-              <a:buFont typeface="Arial" panose="020B0604020202020204" pitchFamily="34" charset="0"/>
-              <a:buChar char="•"/>
-            </a:pPr>
-            <a:r>
-              <a:rPr lang="en-US" sz="1700" dirty="0"/>
-              <a:t>Reduce manual search effort through improved data access</a:t>
-            </a:r>
-          </a:p>
-          <a:p>
-            <a:pPr lvl="1">
-              <a:buFont typeface="Arial" panose="020B0604020202020204" pitchFamily="34" charset="0"/>
-              <a:buChar char="•"/>
-            </a:pPr>
-            <a:r>
-              <a:rPr lang="en-US" sz="1700" dirty="0"/>
-              <a:t>Improve consistency, scalability, and efficiency</a:t>
-            </a:r>
-          </a:p>
-          <a:p>
-            <a:pPr lvl="1">
-              <a:buFont typeface="Arial" panose="020B0604020202020204" pitchFamily="34" charset="0"/>
-              <a:buChar char="•"/>
-            </a:pPr>
-            <a:r>
-              <a:rPr lang="en-US" sz="1700" dirty="0"/>
-              <a:t>Enable a more suitable verification process</a:t>
-            </a:r>
-          </a:p>
-          <a:p>
-            <a:pPr marL="457200" lvl="1" indent="0">
-              <a:buNone/>
-            </a:pPr>
             <a:endParaRPr lang="en-GB" sz="2000" dirty="0"/>
           </a:p>
           <a:p>
@@ -4960,12 +5110,218 @@
           <a:p>
             <a:r>
               <a:rPr lang="en-US" dirty="0"/>
-              <a:t>Operational Impact &amp; Opportunity</a:t>
+              <a:t>Operational Impact</a:t>
             </a:r>
             <a:endParaRPr lang="en-GB" dirty="0"/>
           </a:p>
         </p:txBody>
       </p:sp>
+      <p:pic>
+        <p:nvPicPr>
+          <p:cNvPr id="1026" name="Picture 2" descr="Business man hard working concept .Cartoon Business man working on PC ...">
+            <a:extLst>
+              <a:ext uri="{FF2B5EF4-FFF2-40B4-BE49-F238E27FC236}">
+                <a16:creationId xmlns:a16="http://schemas.microsoft.com/office/drawing/2014/main" id="{EA5D6616-49BC-8B4B-E07A-CB94627A3A87}"/>
+              </a:ext>
+            </a:extLst>
+          </p:cNvPr>
+          <p:cNvPicPr>
+            <a:picLocks noChangeAspect="1" noChangeArrowheads="1"/>
+          </p:cNvPicPr>
+          <p:nvPr/>
+        </p:nvPicPr>
+        <p:blipFill>
+          <a:blip r:embed="rId2">
+            <a:extLst>
+              <a:ext uri="{28A0092B-C50C-407E-A947-70E740481C1C}">
+                <a14:useLocalDpi xmlns:a14="http://schemas.microsoft.com/office/drawing/2010/main" val="0"/>
+              </a:ext>
+            </a:extLst>
+          </a:blip>
+          <a:srcRect/>
+          <a:stretch>
+            <a:fillRect/>
+          </a:stretch>
+        </p:blipFill>
+        <p:spPr bwMode="auto">
+          <a:xfrm>
+            <a:off x="1818823" y="3598413"/>
+            <a:ext cx="1889742" cy="1607341"/>
+          </a:xfrm>
+          <a:prstGeom prst="rect">
+            <a:avLst/>
+          </a:prstGeom>
+          <a:noFill/>
+          <a:extLst>
+            <a:ext uri="{909E8E84-426E-40DD-AFC4-6F175D3DCCD1}">
+              <a14:hiddenFill xmlns:a14="http://schemas.microsoft.com/office/drawing/2010/main">
+                <a:solidFill>
+                  <a:srgbClr val="FFFFFF"/>
+                </a:solidFill>
+              </a14:hiddenFill>
+            </a:ext>
+          </a:extLst>
+        </p:spPr>
+      </p:pic>
+      <p:pic>
+        <p:nvPicPr>
+          <p:cNvPr id="1028" name="Picture 4" descr="Money Wings Flying Isolated 5488534 Vector Art at Vecteezy">
+            <a:extLst>
+              <a:ext uri="{FF2B5EF4-FFF2-40B4-BE49-F238E27FC236}">
+                <a16:creationId xmlns:a16="http://schemas.microsoft.com/office/drawing/2014/main" id="{9E410C2E-9915-5C52-2D4B-5548356289B2}"/>
+              </a:ext>
+            </a:extLst>
+          </p:cNvPr>
+          <p:cNvPicPr>
+            <a:picLocks noChangeAspect="1" noChangeArrowheads="1"/>
+          </p:cNvPicPr>
+          <p:nvPr/>
+        </p:nvPicPr>
+        <p:blipFill>
+          <a:blip r:embed="rId3">
+            <a:extLst>
+              <a:ext uri="{28A0092B-C50C-407E-A947-70E740481C1C}">
+                <a14:useLocalDpi xmlns:a14="http://schemas.microsoft.com/office/drawing/2010/main" val="0"/>
+              </a:ext>
+            </a:extLst>
+          </a:blip>
+          <a:srcRect/>
+          <a:stretch>
+            <a:fillRect/>
+          </a:stretch>
+        </p:blipFill>
+        <p:spPr bwMode="auto">
+          <a:xfrm>
+            <a:off x="5634794" y="2933659"/>
+            <a:ext cx="1409741" cy="1409741"/>
+          </a:xfrm>
+          <a:prstGeom prst="rect">
+            <a:avLst/>
+          </a:prstGeom>
+          <a:noFill/>
+          <a:extLst>
+            <a:ext uri="{909E8E84-426E-40DD-AFC4-6F175D3DCCD1}">
+              <a14:hiddenFill xmlns:a14="http://schemas.microsoft.com/office/drawing/2010/main">
+                <a:solidFill>
+                  <a:srgbClr val="FFFFFF"/>
+                </a:solidFill>
+              </a14:hiddenFill>
+            </a:ext>
+          </a:extLst>
+        </p:spPr>
+      </p:pic>
+      <p:pic>
+        <p:nvPicPr>
+          <p:cNvPr id="5" name="Picture 4">
+            <a:extLst>
+              <a:ext uri="{FF2B5EF4-FFF2-40B4-BE49-F238E27FC236}">
+                <a16:creationId xmlns:a16="http://schemas.microsoft.com/office/drawing/2014/main" id="{0AC30424-0CD5-ACB5-CF59-C5DA646C6D97}"/>
+              </a:ext>
+            </a:extLst>
+          </p:cNvPr>
+          <p:cNvPicPr>
+            <a:picLocks noChangeAspect="1"/>
+          </p:cNvPicPr>
+          <p:nvPr/>
+        </p:nvPicPr>
+        <p:blipFill>
+          <a:blip r:embed="rId4"/>
+          <a:stretch>
+            <a:fillRect/>
+          </a:stretch>
+        </p:blipFill>
+        <p:spPr>
+          <a:xfrm>
+            <a:off x="5511047" y="4402084"/>
+            <a:ext cx="1480262" cy="1533352"/>
+          </a:xfrm>
+          <a:prstGeom prst="rect">
+            <a:avLst/>
+          </a:prstGeom>
+        </p:spPr>
+      </p:pic>
+      <p:cxnSp>
+        <p:nvCxnSpPr>
+          <p:cNvPr id="18" name="Connector: Elbow 17">
+            <a:extLst>
+              <a:ext uri="{FF2B5EF4-FFF2-40B4-BE49-F238E27FC236}">
+                <a16:creationId xmlns:a16="http://schemas.microsoft.com/office/drawing/2014/main" id="{09E5D733-0497-1C59-9C39-60CF8B1FA29F}"/>
+              </a:ext>
+            </a:extLst>
+          </p:cNvPr>
+          <p:cNvCxnSpPr>
+            <a:cxnSpLocks/>
+          </p:cNvCxnSpPr>
+          <p:nvPr/>
+        </p:nvCxnSpPr>
+        <p:spPr>
+          <a:xfrm flipV="1">
+            <a:off x="4171950" y="3755571"/>
+            <a:ext cx="1249136" cy="587829"/>
+          </a:xfrm>
+          <a:prstGeom prst="bentConnector3">
+            <a:avLst/>
+          </a:prstGeom>
+          <a:ln w="76200">
+            <a:tailEnd type="triangle"/>
+          </a:ln>
+        </p:spPr>
+        <p:style>
+          <a:lnRef idx="1">
+            <a:schemeClr val="accent1"/>
+          </a:lnRef>
+          <a:fillRef idx="0">
+            <a:schemeClr val="accent1"/>
+          </a:fillRef>
+          <a:effectRef idx="0">
+            <a:schemeClr val="accent1"/>
+          </a:effectRef>
+          <a:fontRef idx="minor">
+            <a:schemeClr val="tx1"/>
+          </a:fontRef>
+        </p:style>
+      </p:cxnSp>
+      <p:cxnSp>
+        <p:nvCxnSpPr>
+          <p:cNvPr id="21" name="Connector: Elbow 20">
+            <a:extLst>
+              <a:ext uri="{FF2B5EF4-FFF2-40B4-BE49-F238E27FC236}">
+                <a16:creationId xmlns:a16="http://schemas.microsoft.com/office/drawing/2014/main" id="{3513590A-A0B3-37BD-901E-57C06B636E38}"/>
+              </a:ext>
+            </a:extLst>
+          </p:cNvPr>
+          <p:cNvCxnSpPr>
+            <a:cxnSpLocks/>
+          </p:cNvCxnSpPr>
+          <p:nvPr/>
+        </p:nvCxnSpPr>
+        <p:spPr>
+          <a:xfrm>
+            <a:off x="4171950" y="4343400"/>
+            <a:ext cx="1249136" cy="563336"/>
+          </a:xfrm>
+          <a:prstGeom prst="bentConnector3">
+            <a:avLst/>
+          </a:prstGeom>
+          <a:ln w="76200">
+            <a:tailEnd type="triangle"/>
+          </a:ln>
+        </p:spPr>
+        <p:style>
+          <a:lnRef idx="1">
+            <a:schemeClr val="accent1"/>
+          </a:lnRef>
+          <a:fillRef idx="0">
+            <a:schemeClr val="accent1"/>
+          </a:fillRef>
+          <a:effectRef idx="0">
+            <a:schemeClr val="accent1"/>
+          </a:effectRef>
+          <a:fontRef idx="minor">
+            <a:schemeClr val="tx1"/>
+          </a:fontRef>
+        </p:style>
+      </p:cxnSp>
     </p:spTree>
     <p:extLst>
       <p:ext uri="{BB962C8B-B14F-4D97-AF65-F5344CB8AC3E}">
@@ -5001,7 +5357,7 @@
           <p:cNvPr id="2" name="Text Placeholder 1">
             <a:extLst>
               <a:ext uri="{FF2B5EF4-FFF2-40B4-BE49-F238E27FC236}">
-                <a16:creationId xmlns:a16="http://schemas.microsoft.com/office/drawing/2014/main" id="{830E955A-1022-A907-E30A-28099FD26496}"/>
+                <a16:creationId xmlns:a16="http://schemas.microsoft.com/office/drawing/2014/main" id="{3E977042-2979-6145-A87B-765DC819EB5B}"/>
               </a:ext>
             </a:extLst>
           </p:cNvPr>
@@ -5015,7 +5371,7 @@
         <p:spPr>
           <a:xfrm>
             <a:off x="360000" y="1800000"/>
-            <a:ext cx="9584100" cy="3695827"/>
+            <a:ext cx="7232786" cy="2916793"/>
           </a:xfrm>
         </p:spPr>
         <p:txBody>
@@ -5024,74 +5380,23 @@
           <a:p>
             <a:r>
               <a:rPr lang="en-US" sz="2000" dirty="0"/>
-              <a:t>Proposed Direction:</a:t>
-            </a:r>
-          </a:p>
-          <a:p>
-            <a:pPr lvl="1">
-              <a:buFont typeface="Arial" panose="020B0604020202020204" pitchFamily="34" charset="0"/>
-              <a:buChar char="•"/>
-            </a:pPr>
-            <a:r>
-              <a:rPr lang="en-US" sz="1700" dirty="0"/>
-              <a:t>Improve access to complete and authoritative agent data</a:t>
-            </a:r>
-          </a:p>
-          <a:p>
-            <a:pPr lvl="1">
-              <a:buFont typeface="Arial" panose="020B0604020202020204" pitchFamily="34" charset="0"/>
-              <a:buChar char="•"/>
-            </a:pPr>
-            <a:r>
-              <a:rPr lang="en-US" sz="1700" dirty="0"/>
-              <a:t>Reduce reliance on manual public website searches</a:t>
-            </a:r>
-          </a:p>
-          <a:p>
-            <a:pPr lvl="1">
-              <a:buFont typeface="Arial" panose="020B0604020202020204" pitchFamily="34" charset="0"/>
-              <a:buChar char="•"/>
-            </a:pPr>
-            <a:r>
-              <a:rPr lang="en-US" sz="1700" dirty="0"/>
-              <a:t>Explore scalable and compliant automation approaches</a:t>
+              <a:t>Reduce manual search effort through improved data access</a:t>
             </a:r>
           </a:p>
           <a:p>
             <a:r>
               <a:rPr lang="en-US" sz="2000" dirty="0"/>
-              <a:t>Next Step:</a:t>
-            </a:r>
-          </a:p>
-          <a:p>
-            <a:pPr lvl="1">
-              <a:buFont typeface="Arial" panose="020B0604020202020204" pitchFamily="34" charset="0"/>
-              <a:buChar char="•"/>
-            </a:pPr>
-            <a:r>
-              <a:rPr lang="en-US" sz="1700" dirty="0"/>
-              <a:t>Engage stakeholders to confirm requirements and constraints</a:t>
-            </a:r>
-          </a:p>
-          <a:p>
-            <a:pPr lvl="1">
-              <a:buFont typeface="Arial" panose="020B0604020202020204" pitchFamily="34" charset="0"/>
-              <a:buChar char="•"/>
-            </a:pPr>
-            <a:r>
-              <a:rPr lang="en-US" sz="1700" dirty="0"/>
-              <a:t>Assess feasible data access or integration options</a:t>
-            </a:r>
-          </a:p>
-          <a:p>
-            <a:pPr lvl="1">
-              <a:buFont typeface="Arial" panose="020B0604020202020204" pitchFamily="34" charset="0"/>
-              <a:buChar char="•"/>
-            </a:pPr>
-            <a:r>
-              <a:rPr lang="en-US" sz="1700" dirty="0"/>
-              <a:t>Evaluate compliance, governance, and data usage implications</a:t>
-            </a:r>
+              <a:t>Improve consistency, scalability, and efficiency</a:t>
+            </a:r>
+          </a:p>
+          <a:p>
+            <a:r>
+              <a:rPr lang="en-US" sz="2000" dirty="0"/>
+              <a:t>Enable a more suitable verification process</a:t>
+            </a:r>
+          </a:p>
+          <a:p>
+            <a:endParaRPr lang="en-GB" dirty="0"/>
           </a:p>
         </p:txBody>
       </p:sp>
@@ -5100,7 +5405,7 @@
           <p:cNvPr id="4" name="Text Placeholder 3">
             <a:extLst>
               <a:ext uri="{FF2B5EF4-FFF2-40B4-BE49-F238E27FC236}">
-                <a16:creationId xmlns:a16="http://schemas.microsoft.com/office/drawing/2014/main" id="{31F91DFC-A564-484B-4811-855AD5E98096}"/>
+                <a16:creationId xmlns:a16="http://schemas.microsoft.com/office/drawing/2014/main" id="{145DEC1C-3502-D6F0-77E5-1DFF327BFEF1}"/>
               </a:ext>
             </a:extLst>
           </p:cNvPr>
@@ -5118,19 +5423,110 @@
           <a:p>
             <a:r>
               <a:rPr lang="en-US" dirty="0"/>
-              <a:t>Proposed Direction &amp; Next Step</a:t>
-            </a:r>
-            <a:endParaRPr lang="en-GB" dirty="0"/>
-          </a:p>
-          <a:p>
+              <a:t>Opportunity to Improve</a:t>
+            </a:r>
             <a:endParaRPr lang="en-GB" dirty="0"/>
           </a:p>
         </p:txBody>
       </p:sp>
+      <p:pic>
+        <p:nvPicPr>
+          <p:cNvPr id="2064" name="Picture 16" descr="What is the Difference Between Standard, High, and Ultra High ...">
+            <a:extLst>
+              <a:ext uri="{FF2B5EF4-FFF2-40B4-BE49-F238E27FC236}">
+                <a16:creationId xmlns:a16="http://schemas.microsoft.com/office/drawing/2014/main" id="{EFA4FA59-D333-19BE-02F6-45CFFC97903C}"/>
+              </a:ext>
+            </a:extLst>
+          </p:cNvPr>
+          <p:cNvPicPr>
+            <a:picLocks noChangeAspect="1" noChangeArrowheads="1"/>
+          </p:cNvPicPr>
+          <p:nvPr/>
+        </p:nvPicPr>
+        <p:blipFill>
+          <a:blip r:embed="rId2">
+            <a:extLst>
+              <a:ext uri="{28A0092B-C50C-407E-A947-70E740481C1C}">
+                <a14:useLocalDpi xmlns:a14="http://schemas.microsoft.com/office/drawing/2010/main" val="0"/>
+              </a:ext>
+            </a:extLst>
+          </a:blip>
+          <a:srcRect/>
+          <a:stretch>
+            <a:fillRect/>
+          </a:stretch>
+        </p:blipFill>
+        <p:spPr bwMode="auto">
+          <a:xfrm>
+            <a:off x="713016" y="3764281"/>
+            <a:ext cx="2952749" cy="2032898"/>
+          </a:xfrm>
+          <a:prstGeom prst="rect">
+            <a:avLst/>
+          </a:prstGeom>
+          <a:noFill/>
+          <a:extLst>
+            <a:ext uri="{909E8E84-426E-40DD-AFC4-6F175D3DCCD1}">
+              <a14:hiddenFill xmlns:a14="http://schemas.microsoft.com/office/drawing/2010/main">
+                <a:solidFill>
+                  <a:srgbClr val="FFFFFF"/>
+                </a:solidFill>
+              </a14:hiddenFill>
+            </a:ext>
+          </a:extLst>
+        </p:spPr>
+      </p:pic>
+      <p:pic>
+        <p:nvPicPr>
+          <p:cNvPr id="2066" name="Picture 18" descr="Time Management Illustration (AI)">
+            <a:extLst>
+              <a:ext uri="{FF2B5EF4-FFF2-40B4-BE49-F238E27FC236}">
+                <a16:creationId xmlns:a16="http://schemas.microsoft.com/office/drawing/2014/main" id="{9133ACC2-79C4-E2C8-8E12-5FDAF728046E}"/>
+              </a:ext>
+            </a:extLst>
+          </p:cNvPr>
+          <p:cNvPicPr>
+            <a:picLocks noChangeAspect="1" noChangeArrowheads="1"/>
+          </p:cNvPicPr>
+          <p:nvPr/>
+        </p:nvPicPr>
+        <p:blipFill>
+          <a:blip r:embed="rId3">
+            <a:extLst>
+              <a:ext uri="{28A0092B-C50C-407E-A947-70E740481C1C}">
+                <a14:useLocalDpi xmlns:a14="http://schemas.microsoft.com/office/drawing/2010/main" val="0"/>
+              </a:ext>
+            </a:extLst>
+          </a:blip>
+          <a:srcRect/>
+          <a:stretch>
+            <a:fillRect/>
+          </a:stretch>
+        </p:blipFill>
+        <p:spPr bwMode="auto">
+          <a:xfrm>
+            <a:off x="5048990" y="3497286"/>
+            <a:ext cx="3851519" cy="2566887"/>
+          </a:xfrm>
+          <a:prstGeom prst="rect">
+            <a:avLst/>
+          </a:prstGeom>
+          <a:noFill/>
+          <a:extLst>
+            <a:ext uri="{909E8E84-426E-40DD-AFC4-6F175D3DCCD1}">
+              <a14:hiddenFill xmlns:a14="http://schemas.microsoft.com/office/drawing/2010/main">
+                <a:solidFill>
+                  <a:srgbClr val="FFFFFF"/>
+                </a:solidFill>
+              </a14:hiddenFill>
+            </a:ext>
+          </a:extLst>
+        </p:spPr>
+      </p:pic>
     </p:spTree>
     <p:extLst>
       <p:ext uri="{BB962C8B-B14F-4D97-AF65-F5344CB8AC3E}">
-        <p14:creationId xmlns:p14="http://schemas.microsoft.com/office/powerpoint/2010/main" val="3197344490"/>
+        <p14:creationId xmlns:p14="http://schemas.microsoft.com/office/powerpoint/2010/main" val="2475007522"/>
       </p:ext>
     </p:extLst>
   </p:cSld>
@@ -5159,6 +5555,268 @@
       </p:grpSpPr>
       <p:sp>
         <p:nvSpPr>
+          <p:cNvPr id="2" name="Text Placeholder 1">
+            <a:extLst>
+              <a:ext uri="{FF2B5EF4-FFF2-40B4-BE49-F238E27FC236}">
+                <a16:creationId xmlns:a16="http://schemas.microsoft.com/office/drawing/2014/main" id="{830E955A-1022-A907-E30A-28099FD26496}"/>
+              </a:ext>
+            </a:extLst>
+          </p:cNvPr>
+          <p:cNvSpPr>
+            <a:spLocks noGrp="1"/>
+          </p:cNvSpPr>
+          <p:nvPr>
+            <p:ph type="body" sz="quarter" idx="12"/>
+          </p:nvPr>
+        </p:nvSpPr>
+        <p:spPr>
+          <a:xfrm>
+            <a:off x="360000" y="1800000"/>
+            <a:ext cx="9584100" cy="4249736"/>
+          </a:xfrm>
+        </p:spPr>
+        <p:txBody>
+          <a:bodyPr/>
+          <a:lstStyle/>
+          <a:p>
+            <a:r>
+              <a:rPr lang="en-US" sz="2000" dirty="0"/>
+              <a:t>Proposed Direction:</a:t>
+            </a:r>
+          </a:p>
+          <a:p>
+            <a:pPr lvl="1">
+              <a:buFont typeface="Arial" panose="020B0604020202020204" pitchFamily="34" charset="0"/>
+              <a:buChar char="•"/>
+            </a:pPr>
+            <a:r>
+              <a:rPr lang="en-US" sz="1700" dirty="0"/>
+              <a:t>Improve access to complete and authoritative agent data</a:t>
+            </a:r>
+          </a:p>
+          <a:p>
+            <a:pPr lvl="1">
+              <a:buFont typeface="Arial" panose="020B0604020202020204" pitchFamily="34" charset="0"/>
+              <a:buChar char="•"/>
+            </a:pPr>
+            <a:r>
+              <a:rPr lang="en-US" sz="1700" dirty="0"/>
+              <a:t>Reduce reliance on manual public website searches</a:t>
+            </a:r>
+          </a:p>
+          <a:p>
+            <a:pPr lvl="1">
+              <a:buFont typeface="Arial" panose="020B0604020202020204" pitchFamily="34" charset="0"/>
+              <a:buChar char="•"/>
+            </a:pPr>
+            <a:r>
+              <a:rPr lang="en-US" sz="1700" dirty="0"/>
+              <a:t>Explore scalable and compliant automation approaches</a:t>
+            </a:r>
+          </a:p>
+          <a:p>
+            <a:pPr lvl="1">
+              <a:buFont typeface="Arial" panose="020B0604020202020204" pitchFamily="34" charset="0"/>
+              <a:buChar char="•"/>
+            </a:pPr>
+            <a:endParaRPr lang="en-US" sz="1700" dirty="0"/>
+          </a:p>
+          <a:p>
+            <a:r>
+              <a:rPr lang="en-US" sz="2000" dirty="0"/>
+              <a:t>Next Step:</a:t>
+            </a:r>
+          </a:p>
+          <a:p>
+            <a:pPr lvl="1">
+              <a:buFont typeface="Arial" panose="020B0604020202020204" pitchFamily="34" charset="0"/>
+              <a:buChar char="•"/>
+            </a:pPr>
+            <a:r>
+              <a:rPr lang="en-US" sz="1700" dirty="0"/>
+              <a:t>Engage stakeholders to confirm requirements and constraints</a:t>
+            </a:r>
+          </a:p>
+          <a:p>
+            <a:pPr lvl="1">
+              <a:buFont typeface="Arial" panose="020B0604020202020204" pitchFamily="34" charset="0"/>
+              <a:buChar char="•"/>
+            </a:pPr>
+            <a:r>
+              <a:rPr lang="en-US" sz="1700" dirty="0"/>
+              <a:t>Assess feasible data access or integration options</a:t>
+            </a:r>
+          </a:p>
+          <a:p>
+            <a:pPr lvl="1">
+              <a:buFont typeface="Arial" panose="020B0604020202020204" pitchFamily="34" charset="0"/>
+              <a:buChar char="•"/>
+            </a:pPr>
+            <a:r>
+              <a:rPr lang="en-US" sz="1700" dirty="0"/>
+              <a:t>Evaluate compliance, governance, and data usage implications</a:t>
+            </a:r>
+          </a:p>
+        </p:txBody>
+      </p:sp>
+      <p:sp>
+        <p:nvSpPr>
+          <p:cNvPr id="4" name="Text Placeholder 3">
+            <a:extLst>
+              <a:ext uri="{FF2B5EF4-FFF2-40B4-BE49-F238E27FC236}">
+                <a16:creationId xmlns:a16="http://schemas.microsoft.com/office/drawing/2014/main" id="{31F91DFC-A564-484B-4811-855AD5E98096}"/>
+              </a:ext>
+            </a:extLst>
+          </p:cNvPr>
+          <p:cNvSpPr>
+            <a:spLocks noGrp="1"/>
+          </p:cNvSpPr>
+          <p:nvPr>
+            <p:ph type="body" sz="quarter" idx="10"/>
+          </p:nvPr>
+        </p:nvSpPr>
+        <p:spPr/>
+        <p:txBody>
+          <a:bodyPr/>
+          <a:lstStyle/>
+          <a:p>
+            <a:r>
+              <a:rPr lang="en-US" dirty="0"/>
+              <a:t>Proposed Direction &amp; Next Step</a:t>
+            </a:r>
+            <a:endParaRPr lang="en-GB" dirty="0"/>
+          </a:p>
+          <a:p>
+            <a:endParaRPr lang="en-GB" dirty="0"/>
+          </a:p>
+        </p:txBody>
+      </p:sp>
+      <p:pic>
+        <p:nvPicPr>
+          <p:cNvPr id="3082" name="Picture 10" descr="Group Discussion Concepts 4744660 Vector Art at Vecteezy">
+            <a:extLst>
+              <a:ext uri="{FF2B5EF4-FFF2-40B4-BE49-F238E27FC236}">
+                <a16:creationId xmlns:a16="http://schemas.microsoft.com/office/drawing/2014/main" id="{098975F9-11E0-FD31-4B05-6E0F65613DAF}"/>
+              </a:ext>
+            </a:extLst>
+          </p:cNvPr>
+          <p:cNvPicPr>
+            <a:picLocks noChangeAspect="1" noChangeArrowheads="1"/>
+          </p:cNvPicPr>
+          <p:nvPr/>
+        </p:nvPicPr>
+        <p:blipFill>
+          <a:blip r:embed="rId2">
+            <a:extLst>
+              <a:ext uri="{28A0092B-C50C-407E-A947-70E740481C1C}">
+                <a14:useLocalDpi xmlns:a14="http://schemas.microsoft.com/office/drawing/2010/main" val="0"/>
+              </a:ext>
+            </a:extLst>
+          </a:blip>
+          <a:srcRect/>
+          <a:stretch>
+            <a:fillRect/>
+          </a:stretch>
+        </p:blipFill>
+        <p:spPr bwMode="auto">
+          <a:xfrm>
+            <a:off x="7420704" y="1000789"/>
+            <a:ext cx="2597507" cy="2597507"/>
+          </a:xfrm>
+          <a:prstGeom prst="rect">
+            <a:avLst/>
+          </a:prstGeom>
+          <a:noFill/>
+          <a:extLst>
+            <a:ext uri="{909E8E84-426E-40DD-AFC4-6F175D3DCCD1}">
+              <a14:hiddenFill xmlns:a14="http://schemas.microsoft.com/office/drawing/2010/main">
+                <a:solidFill>
+                  <a:srgbClr val="FFFFFF"/>
+                </a:solidFill>
+              </a14:hiddenFill>
+            </a:ext>
+          </a:extLst>
+        </p:spPr>
+      </p:pic>
+      <p:pic>
+        <p:nvPicPr>
+          <p:cNvPr id="3086" name="Picture 14" descr="Facilitate VR Creation Suite | Facilitate VR Creation Suite">
+            <a:extLst>
+              <a:ext uri="{FF2B5EF4-FFF2-40B4-BE49-F238E27FC236}">
+                <a16:creationId xmlns:a16="http://schemas.microsoft.com/office/drawing/2014/main" id="{724E1D66-97B0-D7E7-C0DE-5C99A0C765A2}"/>
+              </a:ext>
+            </a:extLst>
+          </p:cNvPr>
+          <p:cNvPicPr>
+            <a:picLocks noChangeAspect="1" noChangeArrowheads="1"/>
+          </p:cNvPicPr>
+          <p:nvPr/>
+        </p:nvPicPr>
+        <p:blipFill>
+          <a:blip r:embed="rId3">
+            <a:extLst>
+              <a:ext uri="{28A0092B-C50C-407E-A947-70E740481C1C}">
+                <a14:useLocalDpi xmlns:a14="http://schemas.microsoft.com/office/drawing/2010/main" val="0"/>
+              </a:ext>
+            </a:extLst>
+          </a:blip>
+          <a:srcRect/>
+          <a:stretch>
+            <a:fillRect/>
+          </a:stretch>
+        </p:blipFill>
+        <p:spPr bwMode="auto">
+          <a:xfrm>
+            <a:off x="7633608" y="3801836"/>
+            <a:ext cx="2171700" cy="2171700"/>
+          </a:xfrm>
+          <a:prstGeom prst="rect">
+            <a:avLst/>
+          </a:prstGeom>
+          <a:noFill/>
+          <a:extLst>
+            <a:ext uri="{909E8E84-426E-40DD-AFC4-6F175D3DCCD1}">
+              <a14:hiddenFill xmlns:a14="http://schemas.microsoft.com/office/drawing/2010/main">
+                <a:solidFill>
+                  <a:srgbClr val="FFFFFF"/>
+                </a:solidFill>
+              </a14:hiddenFill>
+            </a:ext>
+          </a:extLst>
+        </p:spPr>
+      </p:pic>
+    </p:spTree>
+    <p:extLst>
+      <p:ext uri="{BB962C8B-B14F-4D97-AF65-F5344CB8AC3E}">
+        <p14:creationId xmlns:p14="http://schemas.microsoft.com/office/powerpoint/2010/main" val="3197344490"/>
+      </p:ext>
+    </p:extLst>
+  </p:cSld>
+  <p:clrMapOvr>
+    <a:masterClrMapping/>
+  </p:clrMapOvr>
+</p:sld>
+</file>
+
+<file path=ppt/slides/slide7.xml><?xml version="1.0" encoding="utf-8"?>
+<p:sld xmlns:a="http://schemas.openxmlformats.org/drawingml/2006/main" xmlns:r="http://schemas.openxmlformats.org/officeDocument/2006/relationships" xmlns:p="http://schemas.openxmlformats.org/presentationml/2006/main">
+  <p:cSld>
+    <p:spTree>
+      <p:nvGrpSpPr>
+        <p:cNvPr id="1" name=""/>
+        <p:cNvGrpSpPr/>
+        <p:nvPr/>
+      </p:nvGrpSpPr>
+      <p:grpSpPr>
+        <a:xfrm>
+          <a:off x="0" y="0"/>
+          <a:ext cx="0" cy="0"/>
+          <a:chOff x="0" y="0"/>
+          <a:chExt cx="0" cy="0"/>
+        </a:xfrm>
+      </p:grpSpPr>
+      <p:sp>
+        <p:nvSpPr>
           <p:cNvPr id="2" name="Subtitle 1">
             <a:extLst>
               <a:ext uri="{FF2B5EF4-FFF2-40B4-BE49-F238E27FC236}">
@@ -5178,7 +5836,7 @@
           <a:bodyPr/>
           <a:lstStyle/>
           <a:p>
-            <a:endParaRPr lang="en-GB"/>
+            <a:endParaRPr lang="en-GB" dirty="0"/>
           </a:p>
         </p:txBody>
       </p:sp>

--- a/powerpoint/fetch_agent-draft.pptx
+++ b/powerpoint/fetch_agent-draft.pptx
@@ -4492,8 +4492,8 @@
         </p:nvSpPr>
         <p:spPr>
           <a:xfrm>
-            <a:off x="454524" y="1976556"/>
-            <a:ext cx="5709512" cy="3166144"/>
+            <a:off x="454523" y="1976556"/>
+            <a:ext cx="6061891" cy="3166144"/>
           </a:xfrm>
         </p:spPr>
         <p:txBody>
@@ -4501,20 +4501,20 @@
           <a:lstStyle/>
           <a:p>
             <a:r>
-              <a:rPr lang="en-US" sz="4000" dirty="0"/>
-              <a:t>Investigation Summary: </a:t>
-            </a:r>
-          </a:p>
-          <a:p>
-            <a:r>
-              <a:rPr lang="en-US" sz="3000" dirty="0"/>
-              <a:t>HKIA &amp; AMCM </a:t>
-            </a:r>
-          </a:p>
-          <a:p>
-            <a:r>
-              <a:rPr lang="en-US" sz="3000" dirty="0"/>
-              <a:t>Agent Data Access</a:t>
+              <a:rPr lang="en-CA" sz="4000" dirty="0"/>
+              <a:t>Agent Data Access </a:t>
+            </a:r>
+          </a:p>
+          <a:p>
+            <a:r>
+              <a:rPr lang="en-CA" sz="4000" dirty="0"/>
+              <a:t>&amp; </a:t>
+            </a:r>
+          </a:p>
+          <a:p>
+            <a:r>
+              <a:rPr lang="en-CA" sz="4000" dirty="0"/>
+              <a:t>Verification Challenges</a:t>
             </a:r>
             <a:endParaRPr lang="en-GB" sz="3000" dirty="0"/>
           </a:p>
@@ -4619,15 +4619,10 @@
           </a:p>
           <a:p>
             <a:r>
-              <a:rPr lang="en-US" sz="2000" dirty="0"/>
-              <a:t>Manual public website searches</a:t>
-            </a:r>
-          </a:p>
-          <a:p>
-            <a:r>
-              <a:rPr lang="en-US" sz="2000" dirty="0"/>
-              <a:t>A hybrid process is required due to incomplete coverage from any single source</a:t>
-            </a:r>
+              <a:rPr lang="en-CA" sz="2000" dirty="0"/>
+              <a:t>As a result, a hybrid manual process is required</a:t>
+            </a:r>
+            <a:endParaRPr lang="en-US" sz="2000" dirty="0"/>
           </a:p>
         </p:txBody>
       </p:sp>
@@ -4682,7 +4677,7 @@
         </p:blipFill>
         <p:spPr>
           <a:xfrm>
-            <a:off x="518940" y="5091137"/>
+            <a:off x="1075989" y="4548294"/>
             <a:ext cx="2467319" cy="952633"/>
           </a:xfrm>
           <a:prstGeom prst="rect">
@@ -4712,7 +4707,7 @@
         </p:blipFill>
         <p:spPr>
           <a:xfrm>
-            <a:off x="3561432" y="5191163"/>
+            <a:off x="4230024" y="4648321"/>
             <a:ext cx="3419952" cy="752580"/>
           </a:xfrm>
           <a:prstGeom prst="rect">
@@ -4788,7 +4783,7 @@
             </a:pPr>
             <a:r>
               <a:rPr lang="en-US" sz="1700" dirty="0"/>
-              <a:t>Public search result are capped at 1,000 agents per query</a:t>
+              <a:t>Public search result are capped at 1,000 agents</a:t>
             </a:r>
           </a:p>
           <a:p>
@@ -4862,7 +4857,7 @@
             </a:pPr>
             <a:r>
               <a:rPr lang="en-GB" sz="1700" dirty="0"/>
-              <a:t>Information gaps still require manual verification through the public website</a:t>
+              <a:t>Information gaps still require manual verification</a:t>
             </a:r>
           </a:p>
           <a:p>
@@ -4921,7 +4916,7 @@
         </p:blipFill>
         <p:spPr>
           <a:xfrm>
-            <a:off x="103018" y="4289079"/>
+            <a:off x="359999" y="4212903"/>
             <a:ext cx="5023637" cy="1338677"/>
           </a:xfrm>
           <a:prstGeom prst="rect">
@@ -4951,7 +4946,7 @@
         </p:blipFill>
         <p:spPr>
           <a:xfrm>
-            <a:off x="6530808" y="3556425"/>
+            <a:off x="6352132" y="3429000"/>
             <a:ext cx="3465503" cy="2651635"/>
           </a:xfrm>
           <a:prstGeom prst="rect">
@@ -5056,8 +5051,8 @@
         </p:nvSpPr>
         <p:spPr>
           <a:xfrm>
-            <a:off x="360000" y="1505799"/>
-            <a:ext cx="9322843" cy="1754011"/>
+            <a:off x="360000" y="1505800"/>
+            <a:ext cx="9322843" cy="1369176"/>
           </a:xfrm>
         </p:spPr>
         <p:txBody>
@@ -5065,24 +5060,22 @@
           <a:lstStyle/>
           <a:p>
             <a:r>
-              <a:rPr lang="en-US" sz="2000" dirty="0"/>
-              <a:t>Significant manual effort is required across multiple teams</a:t>
-            </a:r>
-          </a:p>
-          <a:p>
-            <a:r>
-              <a:rPr lang="en-US" sz="2000" dirty="0"/>
-              <a:t>Manpower costs increase for low-value, repetitive work</a:t>
-            </a:r>
-          </a:p>
-          <a:p>
-            <a:r>
-              <a:rPr lang="en-US" sz="2000" dirty="0"/>
-              <a:t>Verification timeline are extended, delaying downstream processes</a:t>
-            </a:r>
-            <a:endParaRPr lang="en-GB" sz="2000" dirty="0"/>
-          </a:p>
-          <a:p>
+              <a:rPr lang="en-CA" sz="2000" dirty="0"/>
+              <a:t>High manual effort across teams</a:t>
+            </a:r>
+            <a:endParaRPr lang="en-US" sz="2000" dirty="0"/>
+          </a:p>
+          <a:p>
+            <a:r>
+              <a:rPr lang="en-CA" sz="2000" dirty="0"/>
+              <a:t>Rising cost from repetitive work</a:t>
+            </a:r>
+          </a:p>
+          <a:p>
+            <a:r>
+              <a:rPr lang="en-CA" sz="2000" dirty="0"/>
+              <a:t>Delays in downstream processes</a:t>
+            </a:r>
             <a:endParaRPr lang="en-GB" sz="2000" dirty="0"/>
           </a:p>
         </p:txBody>
@@ -5422,8 +5415,8 @@
           <a:lstStyle/>
           <a:p>
             <a:r>
-              <a:rPr lang="en-US" dirty="0"/>
-              <a:t>Opportunity to Improve</a:t>
+              <a:rPr lang="en-CA" dirty="0"/>
+              <a:t>Improvement Opportunity</a:t>
             </a:r>
             <a:endParaRPr lang="en-GB" dirty="0"/>
           </a:p>
@@ -5720,7 +5713,7 @@
         </p:blipFill>
         <p:spPr bwMode="auto">
           <a:xfrm>
-            <a:off x="7420704" y="1000789"/>
+            <a:off x="7474500" y="3562000"/>
             <a:ext cx="2597507" cy="2597507"/>
           </a:xfrm>
           <a:prstGeom prst="rect">
@@ -5767,7 +5760,7 @@
         </p:blipFill>
         <p:spPr bwMode="auto">
           <a:xfrm>
-            <a:off x="7633608" y="3801836"/>
+            <a:off x="7474500" y="1390300"/>
             <a:ext cx="2171700" cy="2171700"/>
           </a:xfrm>
           <a:prstGeom prst="rect">

--- a/powerpoint/fetch_agent-draft.pptx
+++ b/powerpoint/fetch_agent-draft.pptx
@@ -5138,7 +5138,7 @@
         </p:blipFill>
         <p:spPr bwMode="auto">
           <a:xfrm>
-            <a:off x="1818823" y="3598413"/>
+            <a:off x="3991618" y="3781853"/>
             <a:ext cx="1889742" cy="1607341"/>
           </a:xfrm>
           <a:prstGeom prst="rect">
@@ -5185,7 +5185,7 @@
         </p:blipFill>
         <p:spPr bwMode="auto">
           <a:xfrm>
-            <a:off x="5634794" y="2933659"/>
+            <a:off x="7807589" y="3117099"/>
             <a:ext cx="1409741" cy="1409741"/>
           </a:xfrm>
           <a:prstGeom prst="rect">
@@ -5225,7 +5225,7 @@
         </p:blipFill>
         <p:spPr>
           <a:xfrm>
-            <a:off x="5511047" y="4402084"/>
+            <a:off x="7683842" y="4585524"/>
             <a:ext cx="1480262" cy="1533352"/>
           </a:xfrm>
           <a:prstGeom prst="rect">
@@ -5249,7 +5249,7 @@
         </p:nvCxnSpPr>
         <p:spPr>
           <a:xfrm flipV="1">
-            <a:off x="4171950" y="3755571"/>
+            <a:off x="6344745" y="3939011"/>
             <a:ext cx="1249136" cy="587829"/>
           </a:xfrm>
           <a:prstGeom prst="bentConnector3">
@@ -5290,7 +5290,7 @@
         </p:nvCxnSpPr>
         <p:spPr>
           <a:xfrm>
-            <a:off x="4171950" y="4343400"/>
+            <a:off x="6344745" y="4526840"/>
             <a:ext cx="1249136" cy="563336"/>
           </a:xfrm>
           <a:prstGeom prst="bentConnector3">

--- a/powerpoint/fetch_agent-draft.pptx
+++ b/powerpoint/fetch_agent-draft.pptx
@@ -11,7 +11,10 @@
     <p:sldId id="261" r:id="rId5"/>
     <p:sldId id="265" r:id="rId6"/>
     <p:sldId id="262" r:id="rId7"/>
-    <p:sldId id="264" r:id="rId8"/>
+    <p:sldId id="266" r:id="rId8"/>
+    <p:sldId id="267" r:id="rId9"/>
+    <p:sldId id="268" r:id="rId10"/>
+    <p:sldId id="264" r:id="rId11"/>
   </p:sldIdLst>
   <p:sldSz cx="12192000" cy="6858000"/>
   <p:notesSz cx="6858000" cy="9144000"/>
@@ -4492,7 +4495,7 @@
         </p:nvSpPr>
         <p:spPr>
           <a:xfrm>
-            <a:off x="454523" y="1976556"/>
+            <a:off x="246705" y="1993181"/>
             <a:ext cx="6061891" cy="3166144"/>
           </a:xfrm>
         </p:spPr>
@@ -4500,18 +4503,21 @@
           <a:bodyPr/>
           <a:lstStyle/>
           <a:p>
+            <a:pPr algn="ctr"/>
             <a:r>
               <a:rPr lang="en-CA" sz="4000" dirty="0"/>
               <a:t>Agent Data Access </a:t>
             </a:r>
           </a:p>
           <a:p>
+            <a:pPr algn="ctr"/>
             <a:r>
               <a:rPr lang="en-CA" sz="4000" dirty="0"/>
               <a:t>&amp; </a:t>
             </a:r>
           </a:p>
           <a:p>
+            <a:pPr algn="ctr"/>
             <a:r>
               <a:rPr lang="en-CA" sz="4000" dirty="0"/>
               <a:t>Verification Challenges</a:t>
@@ -4524,6 +4530,90 @@
     <p:extLst>
       <p:ext uri="{BB962C8B-B14F-4D97-AF65-F5344CB8AC3E}">
         <p14:creationId xmlns:p14="http://schemas.microsoft.com/office/powerpoint/2010/main" val="3608865976"/>
+      </p:ext>
+    </p:extLst>
+  </p:cSld>
+  <p:clrMapOvr>
+    <a:masterClrMapping/>
+  </p:clrMapOvr>
+</p:sld>
+</file>
+
+<file path=ppt/slides/slide10.xml><?xml version="1.0" encoding="utf-8"?>
+<p:sld xmlns:a="http://schemas.openxmlformats.org/drawingml/2006/main" xmlns:r="http://schemas.openxmlformats.org/officeDocument/2006/relationships" xmlns:p="http://schemas.openxmlformats.org/presentationml/2006/main">
+  <p:cSld>
+    <p:spTree>
+      <p:nvGrpSpPr>
+        <p:cNvPr id="1" name=""/>
+        <p:cNvGrpSpPr/>
+        <p:nvPr/>
+      </p:nvGrpSpPr>
+      <p:grpSpPr>
+        <a:xfrm>
+          <a:off x="0" y="0"/>
+          <a:ext cx="0" cy="0"/>
+          <a:chOff x="0" y="0"/>
+          <a:chExt cx="0" cy="0"/>
+        </a:xfrm>
+      </p:grpSpPr>
+      <p:sp>
+        <p:nvSpPr>
+          <p:cNvPr id="2" name="Subtitle 1">
+            <a:extLst>
+              <a:ext uri="{FF2B5EF4-FFF2-40B4-BE49-F238E27FC236}">
+                <a16:creationId xmlns:a16="http://schemas.microsoft.com/office/drawing/2014/main" id="{03988CD4-DC7E-4D31-B600-CDEE39AAADCA}"/>
+              </a:ext>
+            </a:extLst>
+          </p:cNvPr>
+          <p:cNvSpPr>
+            <a:spLocks noGrp="1"/>
+          </p:cNvSpPr>
+          <p:nvPr>
+            <p:ph type="subTitle" idx="1"/>
+          </p:nvPr>
+        </p:nvSpPr>
+        <p:spPr/>
+        <p:txBody>
+          <a:bodyPr/>
+          <a:lstStyle/>
+          <a:p>
+            <a:endParaRPr lang="en-GB" dirty="0"/>
+          </a:p>
+        </p:txBody>
+      </p:sp>
+      <p:sp>
+        <p:nvSpPr>
+          <p:cNvPr id="3" name="Text Placeholder 2">
+            <a:extLst>
+              <a:ext uri="{FF2B5EF4-FFF2-40B4-BE49-F238E27FC236}">
+                <a16:creationId xmlns:a16="http://schemas.microsoft.com/office/drawing/2014/main" id="{DCC235C8-074B-DBB8-BB8D-F0976247EBF3}"/>
+              </a:ext>
+            </a:extLst>
+          </p:cNvPr>
+          <p:cNvSpPr>
+            <a:spLocks noGrp="1"/>
+          </p:cNvSpPr>
+          <p:nvPr>
+            <p:ph type="body" sz="quarter" idx="10"/>
+          </p:nvPr>
+        </p:nvSpPr>
+        <p:spPr/>
+        <p:txBody>
+          <a:bodyPr/>
+          <a:lstStyle/>
+          <a:p>
+            <a:r>
+              <a:rPr lang="en-US" dirty="0"/>
+              <a:t>Thank You</a:t>
+            </a:r>
+            <a:endParaRPr lang="en-GB" dirty="0"/>
+          </a:p>
+        </p:txBody>
+      </p:sp>
+    </p:spTree>
+    <p:extLst>
+      <p:ext uri="{BB962C8B-B14F-4D97-AF65-F5344CB8AC3E}">
+        <p14:creationId xmlns:p14="http://schemas.microsoft.com/office/powerpoint/2010/main" val="1559329018"/>
       </p:ext>
     </p:extLst>
   </p:cSld>
@@ -4578,7 +4668,7 @@
           <a:p>
             <a:r>
               <a:rPr lang="en-US" sz="2000" dirty="0"/>
-              <a:t>Agent Data comes from:</a:t>
+              <a:t>Agent data is sourced from:</a:t>
             </a:r>
           </a:p>
           <a:p>
@@ -4614,13 +4704,25 @@
           <a:p>
             <a:r>
               <a:rPr lang="en-US" sz="2000" dirty="0"/>
-              <a:t>Internal downloads cover only active AIA agents</a:t>
-            </a:r>
-          </a:p>
-          <a:p>
-            <a:r>
-              <a:rPr lang="en-CA" sz="2000" dirty="0"/>
-              <a:t>As a result, a hybrid manual process is required</a:t>
+              <a:t>Internal downloads cover </a:t>
+            </a:r>
+            <a:r>
+              <a:rPr lang="en-US" sz="2000" b="1" dirty="0"/>
+              <a:t>only active AIA agents</a:t>
+            </a:r>
+          </a:p>
+          <a:p>
+            <a:r>
+              <a:rPr lang="en-GB" sz="2000" dirty="0"/>
+              <a:t>Therefore, a </a:t>
+            </a:r>
+            <a:r>
+              <a:rPr lang="en-GB" sz="2000" b="1" dirty="0"/>
+              <a:t>hybrid manual verification process </a:t>
+            </a:r>
+            <a:r>
+              <a:rPr lang="en-GB" sz="2000" dirty="0"/>
+              <a:t>is still required</a:t>
             </a:r>
             <a:endParaRPr lang="en-US" sz="2000" dirty="0"/>
           </a:p>
@@ -4677,7 +4779,7 @@
         </p:blipFill>
         <p:spPr>
           <a:xfrm>
-            <a:off x="1075989" y="4548294"/>
+            <a:off x="973419" y="4924584"/>
             <a:ext cx="2467319" cy="952633"/>
           </a:xfrm>
           <a:prstGeom prst="rect">
@@ -4707,7 +4809,7 @@
         </p:blipFill>
         <p:spPr>
           <a:xfrm>
-            <a:off x="4230024" y="4648321"/>
+            <a:off x="4811915" y="5093544"/>
             <a:ext cx="3419952" cy="752580"/>
           </a:xfrm>
           <a:prstGeom prst="rect">
@@ -4764,7 +4866,7 @@
         <p:spPr>
           <a:xfrm>
             <a:off x="359999" y="1489757"/>
-            <a:ext cx="4970711" cy="2518907"/>
+            <a:ext cx="4831385" cy="2799610"/>
           </a:xfrm>
         </p:spPr>
         <p:txBody>
@@ -4782,8 +4884,8 @@
               <a:buChar char="•"/>
             </a:pPr>
             <a:r>
-              <a:rPr lang="en-US" sz="1700" dirty="0"/>
-              <a:t>Public search result are capped at 1,000 agents</a:t>
+              <a:rPr lang="en-GB" dirty="0"/>
+              <a:t>Cannot retrieve a complete agent list in one query </a:t>
             </a:r>
           </a:p>
           <a:p>
@@ -4792,8 +4894,12 @@
               <a:buChar char="•"/>
             </a:pPr>
             <a:r>
-              <a:rPr lang="en-US" sz="1700" dirty="0"/>
-              <a:t>Search logic is character-based inclusion rather than prefix-based</a:t>
+              <a:rPr lang="en-GB" dirty="0"/>
+              <a:t>Must try </a:t>
+            </a:r>
+            <a:r>
+              <a:rPr lang="en-GB" b="1" dirty="0"/>
+              <a:t>multiple search terms manually </a:t>
             </a:r>
           </a:p>
           <a:p>
@@ -4802,10 +4908,24 @@
               <a:buChar char="•"/>
             </a:pPr>
             <a:r>
-              <a:rPr lang="en-US" sz="1700" dirty="0"/>
-              <a:t>Time consuming</a:t>
-            </a:r>
-            <a:endParaRPr lang="en-GB" sz="1700" dirty="0"/>
+              <a:rPr lang="en-GB" dirty="0"/>
+              <a:t>Details need to be opened </a:t>
+            </a:r>
+            <a:r>
+              <a:rPr lang="en-GB" b="1" dirty="0"/>
+              <a:t>one by one </a:t>
+            </a:r>
+          </a:p>
+          <a:p>
+            <a:pPr lvl="1">
+              <a:buFont typeface="Arial" panose="020B0604020202020204" pitchFamily="34" charset="0"/>
+              <a:buChar char="•"/>
+            </a:pPr>
+            <a:r>
+              <a:rPr lang="en-GB" b="1" dirty="0"/>
+              <a:t>No bulk export capability</a:t>
+            </a:r>
+            <a:endParaRPr lang="en-US" b="1" dirty="0"/>
           </a:p>
         </p:txBody>
       </p:sp>
@@ -4847,7 +4967,11 @@
             </a:pPr>
             <a:r>
               <a:rPr lang="en-GB" sz="1700" dirty="0"/>
-              <a:t>Internal tools are not always up to date</a:t>
+              <a:t>Internal tools are </a:t>
+            </a:r>
+            <a:r>
+              <a:rPr lang="en-GB" sz="1700" b="1" dirty="0"/>
+              <a:t>not consistently up to date</a:t>
             </a:r>
           </a:p>
           <a:p>
@@ -4857,10 +4981,16 @@
             </a:pPr>
             <a:r>
               <a:rPr lang="en-GB" sz="1700" dirty="0"/>
-              <a:t>Information gaps still require manual verification</a:t>
-            </a:r>
-          </a:p>
-          <a:p>
+              <a:t>Data gaps often require </a:t>
+            </a:r>
+            <a:r>
+              <a:rPr lang="en-GB" sz="1700" b="1" dirty="0"/>
+              <a:t>manual cross‑checking </a:t>
+            </a:r>
+            <a:r>
+              <a:rPr lang="en-GB" sz="1700" dirty="0"/>
+              <a:t>on the public website</a:t>
+            </a:r>
             <a:endParaRPr lang="en-GB" sz="2000" dirty="0"/>
           </a:p>
         </p:txBody>
@@ -4916,7 +5046,7 @@
         </p:blipFill>
         <p:spPr>
           <a:xfrm>
-            <a:off x="359999" y="4212903"/>
+            <a:off x="470642" y="4486633"/>
             <a:ext cx="5023637" cy="1338677"/>
           </a:xfrm>
           <a:prstGeom prst="rect">
@@ -4946,7 +5076,7 @@
         </p:blipFill>
         <p:spPr>
           <a:xfrm>
-            <a:off x="6352132" y="3429000"/>
+            <a:off x="6402009" y="3632601"/>
             <a:ext cx="3465503" cy="2651635"/>
           </a:xfrm>
           <a:prstGeom prst="rect">
@@ -4968,7 +5098,7 @@
         </p:nvSpPr>
         <p:spPr>
           <a:xfrm>
-            <a:off x="5494279" y="4882242"/>
+            <a:off x="5531908" y="5155971"/>
             <a:ext cx="668904" cy="273730"/>
           </a:xfrm>
           <a:prstGeom prst="rightArrow">
@@ -5138,7 +5268,7 @@
         </p:blipFill>
         <p:spPr bwMode="auto">
           <a:xfrm>
-            <a:off x="3991618" y="3781853"/>
+            <a:off x="2694832" y="3800659"/>
             <a:ext cx="1889742" cy="1607341"/>
           </a:xfrm>
           <a:prstGeom prst="rect">
@@ -5185,7 +5315,7 @@
         </p:blipFill>
         <p:spPr bwMode="auto">
           <a:xfrm>
-            <a:off x="7807589" y="3117099"/>
+            <a:off x="6510803" y="3135905"/>
             <a:ext cx="1409741" cy="1409741"/>
           </a:xfrm>
           <a:prstGeom prst="rect">
@@ -5225,7 +5355,7 @@
         </p:blipFill>
         <p:spPr>
           <a:xfrm>
-            <a:off x="7683842" y="4585524"/>
+            <a:off x="6387056" y="4604330"/>
             <a:ext cx="1480262" cy="1533352"/>
           </a:xfrm>
           <a:prstGeom prst="rect">
@@ -5249,7 +5379,7 @@
         </p:nvCxnSpPr>
         <p:spPr>
           <a:xfrm flipV="1">
-            <a:off x="6344745" y="3939011"/>
+            <a:off x="5047959" y="3957817"/>
             <a:ext cx="1249136" cy="587829"/>
           </a:xfrm>
           <a:prstGeom prst="bentConnector3">
@@ -5290,7 +5420,7 @@
         </p:nvCxnSpPr>
         <p:spPr>
           <a:xfrm>
-            <a:off x="6344745" y="4526840"/>
+            <a:off x="5047959" y="4545646"/>
             <a:ext cx="1249136" cy="563336"/>
           </a:xfrm>
           <a:prstGeom prst="bentConnector3">
@@ -5363,8 +5493,8 @@
         </p:nvSpPr>
         <p:spPr>
           <a:xfrm>
-            <a:off x="360000" y="1800000"/>
-            <a:ext cx="7232786" cy="2916793"/>
+            <a:off x="360000" y="1496579"/>
+            <a:ext cx="9091571" cy="1932421"/>
           </a:xfrm>
         </p:spPr>
         <p:txBody>
@@ -5373,13 +5503,37 @@
           <a:p>
             <a:r>
               <a:rPr lang="en-US" sz="2000" dirty="0"/>
-              <a:t>Reduce manual search effort through improved data access</a:t>
+              <a:t>Reduce manual search effort through </a:t>
+            </a:r>
+            <a:r>
+              <a:rPr lang="en-US" sz="2000" b="1" dirty="0"/>
+              <a:t>better data access methods</a:t>
             </a:r>
           </a:p>
           <a:p>
             <a:r>
               <a:rPr lang="en-US" sz="2000" dirty="0"/>
-              <a:t>Improve consistency, scalability, and efficiency</a:t>
+              <a:t>Improve </a:t>
+            </a:r>
+            <a:r>
+              <a:rPr lang="en-US" sz="2000" b="1" dirty="0"/>
+              <a:t>consistency</a:t>
+            </a:r>
+            <a:r>
+              <a:rPr lang="en-US" sz="2000" dirty="0"/>
+              <a:t>, </a:t>
+            </a:r>
+            <a:r>
+              <a:rPr lang="en-US" sz="2000" b="1" dirty="0"/>
+              <a:t>scalability</a:t>
+            </a:r>
+            <a:r>
+              <a:rPr lang="en-US" sz="2000" dirty="0"/>
+              <a:t>, and </a:t>
+            </a:r>
+            <a:r>
+              <a:rPr lang="en-US" sz="2000" b="1" dirty="0"/>
+              <a:t>efficiency</a:t>
             </a:r>
           </a:p>
           <a:p>
@@ -5451,7 +5605,7 @@
         </p:blipFill>
         <p:spPr bwMode="auto">
           <a:xfrm>
-            <a:off x="713016" y="3764281"/>
+            <a:off x="1331215" y="3764279"/>
             <a:ext cx="2952749" cy="2032898"/>
           </a:xfrm>
           <a:prstGeom prst="rect">
@@ -5498,7 +5652,7 @@
         </p:blipFill>
         <p:spPr bwMode="auto">
           <a:xfrm>
-            <a:off x="5048990" y="3497286"/>
+            <a:off x="5704873" y="3497285"/>
             <a:ext cx="3851519" cy="2566887"/>
           </a:xfrm>
           <a:prstGeom prst="rect">
@@ -5573,81 +5727,32 @@
           <a:lstStyle/>
           <a:p>
             <a:r>
-              <a:rPr lang="en-US" sz="2000" dirty="0"/>
-              <a:t>Proposed Direction:</a:t>
-            </a:r>
-          </a:p>
-          <a:p>
-            <a:pPr lvl="1">
-              <a:buFont typeface="Arial" panose="020B0604020202020204" pitchFamily="34" charset="0"/>
-              <a:buChar char="•"/>
-            </a:pPr>
-            <a:r>
               <a:rPr lang="en-US" sz="1700" dirty="0"/>
-              <a:t>Improve access to complete and authoritative agent data</a:t>
-            </a:r>
-          </a:p>
-          <a:p>
-            <a:pPr lvl="1">
-              <a:buFont typeface="Arial" panose="020B0604020202020204" pitchFamily="34" charset="0"/>
-              <a:buChar char="•"/>
-            </a:pPr>
+              <a:t>Improve access to </a:t>
+            </a:r>
+            <a:r>
+              <a:rPr lang="en-US" sz="1700" b="1" dirty="0"/>
+              <a:t>complete and authoritative agent data</a:t>
+            </a:r>
+          </a:p>
+          <a:p>
             <a:r>
               <a:rPr lang="en-US" sz="1700" dirty="0"/>
               <a:t>Reduce reliance on manual public website searches</a:t>
             </a:r>
           </a:p>
           <a:p>
-            <a:pPr lvl="1">
-              <a:buFont typeface="Arial" panose="020B0604020202020204" pitchFamily="34" charset="0"/>
-              <a:buChar char="•"/>
-            </a:pPr>
             <a:r>
               <a:rPr lang="en-US" sz="1700" dirty="0"/>
-              <a:t>Explore scalable and compliant automation approaches</a:t>
-            </a:r>
-          </a:p>
-          <a:p>
-            <a:pPr lvl="1">
-              <a:buFont typeface="Arial" panose="020B0604020202020204" pitchFamily="34" charset="0"/>
-              <a:buChar char="•"/>
-            </a:pPr>
-            <a:endParaRPr lang="en-US" sz="1700" dirty="0"/>
-          </a:p>
-          <a:p>
-            <a:r>
-              <a:rPr lang="en-US" sz="2000" dirty="0"/>
-              <a:t>Next Step:</a:t>
-            </a:r>
-          </a:p>
-          <a:p>
-            <a:pPr lvl="1">
-              <a:buFont typeface="Arial" panose="020B0604020202020204" pitchFamily="34" charset="0"/>
-              <a:buChar char="•"/>
-            </a:pPr>
+              <a:t>Explore </a:t>
+            </a:r>
+            <a:r>
+              <a:rPr lang="en-US" sz="1700" b="1" dirty="0"/>
+              <a:t>scalable and compliant automation</a:t>
+            </a:r>
             <a:r>
               <a:rPr lang="en-US" sz="1700" dirty="0"/>
-              <a:t>Engage stakeholders to confirm requirements and constraints</a:t>
-            </a:r>
-          </a:p>
-          <a:p>
-            <a:pPr lvl="1">
-              <a:buFont typeface="Arial" panose="020B0604020202020204" pitchFamily="34" charset="0"/>
-              <a:buChar char="•"/>
-            </a:pPr>
-            <a:r>
-              <a:rPr lang="en-US" sz="1700" dirty="0"/>
-              <a:t>Assess feasible data access or integration options</a:t>
-            </a:r>
-          </a:p>
-          <a:p>
-            <a:pPr lvl="1">
-              <a:buFont typeface="Arial" panose="020B0604020202020204" pitchFamily="34" charset="0"/>
-              <a:buChar char="•"/>
-            </a:pPr>
-            <a:r>
-              <a:rPr lang="en-US" sz="1700" dirty="0"/>
-              <a:t>Evaluate compliance, governance, and data usage implications</a:t>
+              <a:t> approaches</a:t>
             </a:r>
           </a:p>
         </p:txBody>
@@ -5675,7 +5780,7 @@
           <a:p>
             <a:r>
               <a:rPr lang="en-US" dirty="0"/>
-              <a:t>Proposed Direction &amp; Next Step</a:t>
+              <a:t>Proposed Direction</a:t>
             </a:r>
             <a:endParaRPr lang="en-GB" dirty="0"/>
           </a:p>
@@ -5686,10 +5791,10 @@
       </p:sp>
       <p:pic>
         <p:nvPicPr>
-          <p:cNvPr id="3082" name="Picture 10" descr="Group Discussion Concepts 4744660 Vector Art at Vecteezy">
-            <a:extLst>
-              <a:ext uri="{FF2B5EF4-FFF2-40B4-BE49-F238E27FC236}">
-                <a16:creationId xmlns:a16="http://schemas.microsoft.com/office/drawing/2014/main" id="{098975F9-11E0-FD31-4B05-6E0F65613DAF}"/>
+          <p:cNvPr id="3086" name="Picture 14" descr="Facilitate VR Creation Suite | Facilitate VR Creation Suite">
+            <a:extLst>
+              <a:ext uri="{FF2B5EF4-FFF2-40B4-BE49-F238E27FC236}">
+                <a16:creationId xmlns:a16="http://schemas.microsoft.com/office/drawing/2014/main" id="{724E1D66-97B0-D7E7-C0DE-5C99A0C765A2}"/>
               </a:ext>
             </a:extLst>
           </p:cNvPr>
@@ -5713,54 +5818,7 @@
         </p:blipFill>
         <p:spPr bwMode="auto">
           <a:xfrm>
-            <a:off x="7474500" y="3562000"/>
-            <a:ext cx="2597507" cy="2597507"/>
-          </a:xfrm>
-          <a:prstGeom prst="rect">
-            <a:avLst/>
-          </a:prstGeom>
-          <a:noFill/>
-          <a:extLst>
-            <a:ext uri="{909E8E84-426E-40DD-AFC4-6F175D3DCCD1}">
-              <a14:hiddenFill xmlns:a14="http://schemas.microsoft.com/office/drawing/2010/main">
-                <a:solidFill>
-                  <a:srgbClr val="FFFFFF"/>
-                </a:solidFill>
-              </a14:hiddenFill>
-            </a:ext>
-          </a:extLst>
-        </p:spPr>
-      </p:pic>
-      <p:pic>
-        <p:nvPicPr>
-          <p:cNvPr id="3086" name="Picture 14" descr="Facilitate VR Creation Suite | Facilitate VR Creation Suite">
-            <a:extLst>
-              <a:ext uri="{FF2B5EF4-FFF2-40B4-BE49-F238E27FC236}">
-                <a16:creationId xmlns:a16="http://schemas.microsoft.com/office/drawing/2014/main" id="{724E1D66-97B0-D7E7-C0DE-5C99A0C765A2}"/>
-              </a:ext>
-            </a:extLst>
-          </p:cNvPr>
-          <p:cNvPicPr>
-            <a:picLocks noChangeAspect="1" noChangeArrowheads="1"/>
-          </p:cNvPicPr>
-          <p:nvPr/>
-        </p:nvPicPr>
-        <p:blipFill>
-          <a:blip r:embed="rId3">
-            <a:extLst>
-              <a:ext uri="{28A0092B-C50C-407E-A947-70E740481C1C}">
-                <a14:useLocalDpi xmlns:a14="http://schemas.microsoft.com/office/drawing/2010/main" val="0"/>
-              </a:ext>
-            </a:extLst>
-          </a:blip>
-          <a:srcRect/>
-          <a:stretch>
-            <a:fillRect/>
-          </a:stretch>
-        </p:blipFill>
-        <p:spPr bwMode="auto">
-          <a:xfrm>
-            <a:off x="7474500" y="1390300"/>
+            <a:off x="4199550" y="3429000"/>
             <a:ext cx="2171700" cy="2171700"/>
           </a:xfrm>
           <a:prstGeom prst="rect">
@@ -5810,10 +5868,10 @@
       </p:grpSpPr>
       <p:sp>
         <p:nvSpPr>
-          <p:cNvPr id="2" name="Subtitle 1">
-            <a:extLst>
-              <a:ext uri="{FF2B5EF4-FFF2-40B4-BE49-F238E27FC236}">
-                <a16:creationId xmlns:a16="http://schemas.microsoft.com/office/drawing/2014/main" id="{03988CD4-DC7E-4D31-B600-CDEE39AAADCA}"/>
+          <p:cNvPr id="2" name="Text Placeholder 1">
+            <a:extLst>
+              <a:ext uri="{FF2B5EF4-FFF2-40B4-BE49-F238E27FC236}">
+                <a16:creationId xmlns:a16="http://schemas.microsoft.com/office/drawing/2014/main" id="{13555BFF-CEB2-6E15-DBB1-0C152D76A18E}"/>
               </a:ext>
             </a:extLst>
           </p:cNvPr>
@@ -5821,24 +5879,36 @@
             <a:spLocks noGrp="1"/>
           </p:cNvSpPr>
           <p:nvPr>
-            <p:ph type="subTitle" idx="1"/>
+            <p:ph type="body" sz="quarter" idx="12"/>
           </p:nvPr>
         </p:nvSpPr>
-        <p:spPr/>
+        <p:spPr>
+          <a:xfrm>
+            <a:off x="653800" y="1089261"/>
+            <a:ext cx="6910782" cy="369622"/>
+          </a:xfrm>
+        </p:spPr>
         <p:txBody>
           <a:bodyPr/>
           <a:lstStyle/>
           <a:p>
-            <a:endParaRPr lang="en-GB" dirty="0"/>
+            <a:pPr marL="0" indent="0">
+              <a:buNone/>
+            </a:pPr>
+            <a:r>
+              <a:rPr lang="en-GB" dirty="0"/>
+              <a:t>1. Extract all visible agent information</a:t>
+            </a:r>
+            <a:endParaRPr lang="en-US" dirty="0"/>
           </a:p>
         </p:txBody>
       </p:sp>
       <p:sp>
         <p:nvSpPr>
-          <p:cNvPr id="3" name="Text Placeholder 2">
-            <a:extLst>
-              <a:ext uri="{FF2B5EF4-FFF2-40B4-BE49-F238E27FC236}">
-                <a16:creationId xmlns:a16="http://schemas.microsoft.com/office/drawing/2014/main" id="{DCC235C8-074B-DBB8-BB8D-F0976247EBF3}"/>
+          <p:cNvPr id="4" name="Text Placeholder 3">
+            <a:extLst>
+              <a:ext uri="{FF2B5EF4-FFF2-40B4-BE49-F238E27FC236}">
+                <a16:creationId xmlns:a16="http://schemas.microsoft.com/office/drawing/2014/main" id="{888C0DD2-F7C3-097E-DA5A-49EBBE6CCD5C}"/>
               </a:ext>
             </a:extLst>
           </p:cNvPr>
@@ -5849,23 +5919,944 @@
             <p:ph type="body" sz="quarter" idx="10"/>
           </p:nvPr>
         </p:nvSpPr>
-        <p:spPr/>
+        <p:spPr>
+          <a:xfrm>
+            <a:off x="360000" y="540000"/>
+            <a:ext cx="6373309" cy="473436"/>
+          </a:xfrm>
+        </p:spPr>
         <p:txBody>
           <a:bodyPr/>
           <a:lstStyle/>
           <a:p>
             <a:r>
-              <a:rPr lang="en-US" dirty="0"/>
-              <a:t>Thank You</a:t>
-            </a:r>
-            <a:endParaRPr lang="en-GB" dirty="0"/>
+              <a:rPr lang="en-GB" dirty="0"/>
+              <a:t>What the Automation Will Do</a:t>
+            </a:r>
+          </a:p>
+        </p:txBody>
+      </p:sp>
+      <p:pic>
+        <p:nvPicPr>
+          <p:cNvPr id="6" name="Picture 5">
+            <a:extLst>
+              <a:ext uri="{FF2B5EF4-FFF2-40B4-BE49-F238E27FC236}">
+                <a16:creationId xmlns:a16="http://schemas.microsoft.com/office/drawing/2014/main" id="{A54F88A7-DF3B-F86A-C9D7-C2839445471F}"/>
+              </a:ext>
+            </a:extLst>
+          </p:cNvPr>
+          <p:cNvPicPr>
+            <a:picLocks noChangeAspect="1"/>
+          </p:cNvPicPr>
+          <p:nvPr/>
+        </p:nvPicPr>
+        <p:blipFill>
+          <a:blip r:embed="rId2"/>
+          <a:stretch>
+            <a:fillRect/>
+          </a:stretch>
+        </p:blipFill>
+        <p:spPr>
+          <a:xfrm>
+            <a:off x="2648854" y="1391001"/>
+            <a:ext cx="5854682" cy="1454727"/>
+          </a:xfrm>
+          <a:prstGeom prst="rect">
+            <a:avLst/>
+          </a:prstGeom>
+        </p:spPr>
+      </p:pic>
+      <p:sp>
+        <p:nvSpPr>
+          <p:cNvPr id="7" name="Arrow: Down 6">
+            <a:extLst>
+              <a:ext uri="{FF2B5EF4-FFF2-40B4-BE49-F238E27FC236}">
+                <a16:creationId xmlns:a16="http://schemas.microsoft.com/office/drawing/2014/main" id="{0E669617-9410-D553-B2AF-EDC3F02F43DE}"/>
+              </a:ext>
+            </a:extLst>
+          </p:cNvPr>
+          <p:cNvSpPr/>
+          <p:nvPr/>
+        </p:nvSpPr>
+        <p:spPr>
+          <a:xfrm>
+            <a:off x="5401627" y="2926242"/>
+            <a:ext cx="349134" cy="523702"/>
+          </a:xfrm>
+          <a:prstGeom prst="downArrow">
+            <a:avLst/>
+          </a:prstGeom>
+          <a:ln>
+            <a:noFill/>
+          </a:ln>
+        </p:spPr>
+        <p:style>
+          <a:lnRef idx="2">
+            <a:schemeClr val="accent1">
+              <a:shade val="50000"/>
+            </a:schemeClr>
+          </a:lnRef>
+          <a:fillRef idx="1">
+            <a:schemeClr val="accent1"/>
+          </a:fillRef>
+          <a:effectRef idx="0">
+            <a:schemeClr val="accent1"/>
+          </a:effectRef>
+          <a:fontRef idx="minor">
+            <a:schemeClr val="lt1"/>
+          </a:fontRef>
+        </p:style>
+        <p:txBody>
+          <a:bodyPr rtlCol="0" anchor="ctr"/>
+          <a:lstStyle/>
+          <a:p>
+            <a:pPr algn="ctr"/>
+            <a:endParaRPr lang="en-GB"/>
+          </a:p>
+        </p:txBody>
+      </p:sp>
+      <p:sp>
+        <p:nvSpPr>
+          <p:cNvPr id="8" name="Text Placeholder 1">
+            <a:extLst>
+              <a:ext uri="{FF2B5EF4-FFF2-40B4-BE49-F238E27FC236}">
+                <a16:creationId xmlns:a16="http://schemas.microsoft.com/office/drawing/2014/main" id="{8EE89485-2E41-9542-831C-FF9BD9C93D77}"/>
+              </a:ext>
+            </a:extLst>
+          </p:cNvPr>
+          <p:cNvSpPr txBox="1">
+            <a:spLocks/>
+          </p:cNvSpPr>
+          <p:nvPr/>
+        </p:nvSpPr>
+        <p:spPr>
+          <a:xfrm>
+            <a:off x="653800" y="3189179"/>
+            <a:ext cx="5854682" cy="369622"/>
+          </a:xfrm>
+          <a:prstGeom prst="rect">
+            <a:avLst/>
+          </a:prstGeom>
+        </p:spPr>
+        <p:txBody>
+          <a:bodyPr vert="horz" lIns="91440" tIns="45720" rIns="91440" bIns="45720" rtlCol="0" anchor="t">
+            <a:noAutofit/>
+          </a:bodyPr>
+          <a:lstStyle>
+            <a:lvl1pPr marL="285750" indent="-285750" algn="l" defTabSz="914400" rtl="0" eaLnBrk="1" latinLnBrk="0" hangingPunct="1">
+              <a:lnSpc>
+                <a:spcPct val="100000"/>
+              </a:lnSpc>
+              <a:spcBef>
+                <a:spcPts val="1200"/>
+              </a:spcBef>
+              <a:buClr>
+                <a:schemeClr val="accent1"/>
+              </a:buClr>
+              <a:buSzPct val="125000"/>
+              <a:buFont typeface="Courier New" panose="02070309020205020404" pitchFamily="49" charset="0"/>
+              <a:buChar char="o"/>
+              <a:defRPr sz="1600" kern="1200">
+                <a:solidFill>
+                  <a:schemeClr val="tx1"/>
+                </a:solidFill>
+                <a:latin typeface="Arial" panose="020B0604020202020204" pitchFamily="34" charset="0"/>
+                <a:ea typeface="+mn-ea"/>
+                <a:cs typeface="Arial" panose="020B0604020202020204" pitchFamily="34" charset="0"/>
+              </a:defRPr>
+            </a:lvl1pPr>
+            <a:lvl2pPr marL="742950" indent="-285750" algn="l" defTabSz="914400" rtl="0" eaLnBrk="1" latinLnBrk="0" hangingPunct="1">
+              <a:lnSpc>
+                <a:spcPct val="100000"/>
+              </a:lnSpc>
+              <a:spcBef>
+                <a:spcPts val="1200"/>
+              </a:spcBef>
+              <a:buClr>
+                <a:schemeClr val="accent1"/>
+              </a:buClr>
+              <a:buSzPct val="125000"/>
+              <a:buFont typeface="Courier New" panose="02070309020205020404" pitchFamily="49" charset="0"/>
+              <a:buChar char="o"/>
+              <a:defRPr sz="1600" kern="1200">
+                <a:solidFill>
+                  <a:schemeClr val="tx1"/>
+                </a:solidFill>
+                <a:latin typeface="Arial" panose="020B0604020202020204" pitchFamily="34" charset="0"/>
+                <a:ea typeface="+mn-ea"/>
+                <a:cs typeface="Arial" panose="020B0604020202020204" pitchFamily="34" charset="0"/>
+              </a:defRPr>
+            </a:lvl2pPr>
+            <a:lvl3pPr marL="1143000" indent="-228600" algn="l" defTabSz="914400" rtl="0" eaLnBrk="1" latinLnBrk="0" hangingPunct="1">
+              <a:lnSpc>
+                <a:spcPct val="100000"/>
+              </a:lnSpc>
+              <a:spcBef>
+                <a:spcPts val="1200"/>
+              </a:spcBef>
+              <a:buClr>
+                <a:schemeClr val="accent1"/>
+              </a:buClr>
+              <a:buSzPct val="125000"/>
+              <a:buFont typeface="Courier New" panose="02070309020205020404" pitchFamily="49" charset="0"/>
+              <a:buChar char="o"/>
+              <a:defRPr sz="1400" kern="1200">
+                <a:solidFill>
+                  <a:schemeClr val="tx1"/>
+                </a:solidFill>
+                <a:latin typeface="Arial" panose="020B0604020202020204" pitchFamily="34" charset="0"/>
+                <a:ea typeface="+mn-ea"/>
+                <a:cs typeface="Arial" panose="020B0604020202020204" pitchFamily="34" charset="0"/>
+              </a:defRPr>
+            </a:lvl3pPr>
+            <a:lvl4pPr marL="1600200" indent="-228600" algn="l" defTabSz="914400" rtl="0" eaLnBrk="1" latinLnBrk="0" hangingPunct="1">
+              <a:lnSpc>
+                <a:spcPct val="100000"/>
+              </a:lnSpc>
+              <a:spcBef>
+                <a:spcPts val="1200"/>
+              </a:spcBef>
+              <a:buClr>
+                <a:schemeClr val="accent1"/>
+              </a:buClr>
+              <a:buSzPct val="125000"/>
+              <a:buFont typeface="Courier New" panose="02070309020205020404" pitchFamily="49" charset="0"/>
+              <a:buChar char="o"/>
+              <a:defRPr sz="1400" kern="1200">
+                <a:solidFill>
+                  <a:schemeClr val="tx1"/>
+                </a:solidFill>
+                <a:latin typeface="Arial" panose="020B0604020202020204" pitchFamily="34" charset="0"/>
+                <a:ea typeface="+mn-ea"/>
+                <a:cs typeface="Arial" panose="020B0604020202020204" pitchFamily="34" charset="0"/>
+              </a:defRPr>
+            </a:lvl4pPr>
+            <a:lvl5pPr marL="2057400" indent="-228600" algn="l" defTabSz="914400" rtl="0" eaLnBrk="1" latinLnBrk="0" hangingPunct="1">
+              <a:lnSpc>
+                <a:spcPct val="100000"/>
+              </a:lnSpc>
+              <a:spcBef>
+                <a:spcPts val="1200"/>
+              </a:spcBef>
+              <a:buClr>
+                <a:schemeClr val="accent1"/>
+              </a:buClr>
+              <a:buSzPct val="125000"/>
+              <a:buFont typeface="Courier New" panose="02070309020205020404" pitchFamily="49" charset="0"/>
+              <a:buChar char="o"/>
+              <a:defRPr sz="1400" kern="1200">
+                <a:solidFill>
+                  <a:schemeClr val="tx1"/>
+                </a:solidFill>
+                <a:latin typeface="Arial" panose="020B0604020202020204" pitchFamily="34" charset="0"/>
+                <a:ea typeface="+mn-ea"/>
+                <a:cs typeface="Arial" panose="020B0604020202020204" pitchFamily="34" charset="0"/>
+              </a:defRPr>
+            </a:lvl5pPr>
+            <a:lvl6pPr marL="2514600" indent="-228600" algn="l" defTabSz="914400" rtl="0" eaLnBrk="1" latinLnBrk="0" hangingPunct="1">
+              <a:spcBef>
+                <a:spcPct val="20000"/>
+              </a:spcBef>
+              <a:buFont typeface="Arial" panose="020B0604020202020204" pitchFamily="34" charset="0"/>
+              <a:buChar char="•"/>
+              <a:defRPr sz="2000" kern="1200">
+                <a:solidFill>
+                  <a:schemeClr val="tx1"/>
+                </a:solidFill>
+                <a:latin typeface="+mn-lt"/>
+                <a:ea typeface="+mn-ea"/>
+                <a:cs typeface="+mn-cs"/>
+              </a:defRPr>
+            </a:lvl6pPr>
+            <a:lvl7pPr marL="2971800" indent="-228600" algn="l" defTabSz="914400" rtl="0" eaLnBrk="1" latinLnBrk="0" hangingPunct="1">
+              <a:spcBef>
+                <a:spcPct val="20000"/>
+              </a:spcBef>
+              <a:buFont typeface="Arial" panose="020B0604020202020204" pitchFamily="34" charset="0"/>
+              <a:buChar char="•"/>
+              <a:defRPr sz="2000" kern="1200">
+                <a:solidFill>
+                  <a:schemeClr val="tx1"/>
+                </a:solidFill>
+                <a:latin typeface="+mn-lt"/>
+                <a:ea typeface="+mn-ea"/>
+                <a:cs typeface="+mn-cs"/>
+              </a:defRPr>
+            </a:lvl7pPr>
+            <a:lvl8pPr marL="3429000" indent="-228600" algn="l" defTabSz="914400" rtl="0" eaLnBrk="1" latinLnBrk="0" hangingPunct="1">
+              <a:spcBef>
+                <a:spcPct val="20000"/>
+              </a:spcBef>
+              <a:buFont typeface="Arial" panose="020B0604020202020204" pitchFamily="34" charset="0"/>
+              <a:buChar char="•"/>
+              <a:defRPr sz="2000" kern="1200">
+                <a:solidFill>
+                  <a:schemeClr val="tx1"/>
+                </a:solidFill>
+                <a:latin typeface="+mn-lt"/>
+                <a:ea typeface="+mn-ea"/>
+                <a:cs typeface="+mn-cs"/>
+              </a:defRPr>
+            </a:lvl8pPr>
+            <a:lvl9pPr marL="3886200" indent="-228600" algn="l" defTabSz="914400" rtl="0" eaLnBrk="1" latinLnBrk="0" hangingPunct="1">
+              <a:spcBef>
+                <a:spcPct val="20000"/>
+              </a:spcBef>
+              <a:buFont typeface="Arial" panose="020B0604020202020204" pitchFamily="34" charset="0"/>
+              <a:buChar char="•"/>
+              <a:defRPr sz="2000" kern="1200">
+                <a:solidFill>
+                  <a:schemeClr val="tx1"/>
+                </a:solidFill>
+                <a:latin typeface="+mn-lt"/>
+                <a:ea typeface="+mn-ea"/>
+                <a:cs typeface="+mn-cs"/>
+              </a:defRPr>
+            </a:lvl9pPr>
+          </a:lstStyle>
+          <a:p>
+            <a:pPr marL="0" indent="0">
+              <a:buNone/>
+            </a:pPr>
+            <a:r>
+              <a:rPr lang="en-GB" dirty="0"/>
+              <a:t>2. Retrieve Individual Agent Profiles</a:t>
+            </a:r>
+            <a:endParaRPr lang="en-US" dirty="0"/>
+          </a:p>
+        </p:txBody>
+      </p:sp>
+      <p:pic>
+        <p:nvPicPr>
+          <p:cNvPr id="10" name="Picture 9">
+            <a:extLst>
+              <a:ext uri="{FF2B5EF4-FFF2-40B4-BE49-F238E27FC236}">
+                <a16:creationId xmlns:a16="http://schemas.microsoft.com/office/drawing/2014/main" id="{6773655D-8379-203F-1269-BC391D08975E}"/>
+              </a:ext>
+            </a:extLst>
+          </p:cNvPr>
+          <p:cNvPicPr>
+            <a:picLocks noChangeAspect="1"/>
+          </p:cNvPicPr>
+          <p:nvPr/>
+        </p:nvPicPr>
+        <p:blipFill>
+          <a:blip r:embed="rId3"/>
+          <a:stretch>
+            <a:fillRect/>
+          </a:stretch>
+        </p:blipFill>
+        <p:spPr>
+          <a:xfrm>
+            <a:off x="3276272" y="3660797"/>
+            <a:ext cx="4599843" cy="2132769"/>
+          </a:xfrm>
+          <a:prstGeom prst="rect">
+            <a:avLst/>
+          </a:prstGeom>
+        </p:spPr>
+      </p:pic>
+      <p:sp>
+        <p:nvSpPr>
+          <p:cNvPr id="11" name="Arrow: Down 10">
+            <a:extLst>
+              <a:ext uri="{FF2B5EF4-FFF2-40B4-BE49-F238E27FC236}">
+                <a16:creationId xmlns:a16="http://schemas.microsoft.com/office/drawing/2014/main" id="{77E91C3C-ED4F-0F80-6379-10035FAF30FC}"/>
+              </a:ext>
+            </a:extLst>
+          </p:cNvPr>
+          <p:cNvSpPr/>
+          <p:nvPr/>
+        </p:nvSpPr>
+        <p:spPr>
+          <a:xfrm>
+            <a:off x="5401627" y="5987002"/>
+            <a:ext cx="349134" cy="523702"/>
+          </a:xfrm>
+          <a:prstGeom prst="downArrow">
+            <a:avLst/>
+          </a:prstGeom>
+          <a:ln>
+            <a:noFill/>
+          </a:ln>
+        </p:spPr>
+        <p:style>
+          <a:lnRef idx="2">
+            <a:schemeClr val="accent1">
+              <a:shade val="50000"/>
+            </a:schemeClr>
+          </a:lnRef>
+          <a:fillRef idx="1">
+            <a:schemeClr val="accent1"/>
+          </a:fillRef>
+          <a:effectRef idx="0">
+            <a:schemeClr val="accent1"/>
+          </a:effectRef>
+          <a:fontRef idx="minor">
+            <a:schemeClr val="lt1"/>
+          </a:fontRef>
+        </p:style>
+        <p:txBody>
+          <a:bodyPr rtlCol="0" anchor="ctr"/>
+          <a:lstStyle/>
+          <a:p>
+            <a:pPr algn="ctr"/>
+            <a:endParaRPr lang="en-GB"/>
           </a:p>
         </p:txBody>
       </p:sp>
     </p:spTree>
     <p:extLst>
       <p:ext uri="{BB962C8B-B14F-4D97-AF65-F5344CB8AC3E}">
-        <p14:creationId xmlns:p14="http://schemas.microsoft.com/office/powerpoint/2010/main" val="1559329018"/>
+        <p14:creationId xmlns:p14="http://schemas.microsoft.com/office/powerpoint/2010/main" val="587675395"/>
+      </p:ext>
+    </p:extLst>
+  </p:cSld>
+  <p:clrMapOvr>
+    <a:masterClrMapping/>
+  </p:clrMapOvr>
+</p:sld>
+</file>
+
+<file path=ppt/slides/slide8.xml><?xml version="1.0" encoding="utf-8"?>
+<p:sld xmlns:a="http://schemas.openxmlformats.org/drawingml/2006/main" xmlns:r="http://schemas.openxmlformats.org/officeDocument/2006/relationships" xmlns:p="http://schemas.openxmlformats.org/presentationml/2006/main">
+  <p:cSld>
+    <p:spTree>
+      <p:nvGrpSpPr>
+        <p:cNvPr id="1" name=""/>
+        <p:cNvGrpSpPr/>
+        <p:nvPr/>
+      </p:nvGrpSpPr>
+      <p:grpSpPr>
+        <a:xfrm>
+          <a:off x="0" y="0"/>
+          <a:ext cx="0" cy="0"/>
+          <a:chOff x="0" y="0"/>
+          <a:chExt cx="0" cy="0"/>
+        </a:xfrm>
+      </p:grpSpPr>
+      <p:sp>
+        <p:nvSpPr>
+          <p:cNvPr id="2" name="Text Placeholder 1">
+            <a:extLst>
+              <a:ext uri="{FF2B5EF4-FFF2-40B4-BE49-F238E27FC236}">
+                <a16:creationId xmlns:a16="http://schemas.microsoft.com/office/drawing/2014/main" id="{8D364747-74AE-AE7E-3CB4-9DC64501B0F3}"/>
+              </a:ext>
+            </a:extLst>
+          </p:cNvPr>
+          <p:cNvSpPr>
+            <a:spLocks noGrp="1"/>
+          </p:cNvSpPr>
+          <p:nvPr>
+            <p:ph type="body" sz="quarter" idx="12"/>
+          </p:nvPr>
+        </p:nvSpPr>
+        <p:spPr>
+          <a:xfrm>
+            <a:off x="623552" y="1298193"/>
+            <a:ext cx="5993379" cy="461062"/>
+          </a:xfrm>
+        </p:spPr>
+        <p:txBody>
+          <a:bodyPr/>
+          <a:lstStyle/>
+          <a:p>
+            <a:pPr marL="0" indent="0">
+              <a:buNone/>
+            </a:pPr>
+            <a:r>
+              <a:rPr lang="en-US" dirty="0"/>
+              <a:t>3. </a:t>
+            </a:r>
+            <a:r>
+              <a:rPr lang="en-GB" dirty="0"/>
+              <a:t>Filter and Export AIA‑Affiliated Agents</a:t>
+            </a:r>
+            <a:endParaRPr lang="en-US" dirty="0"/>
+          </a:p>
+        </p:txBody>
+      </p:sp>
+      <p:pic>
+        <p:nvPicPr>
+          <p:cNvPr id="6" name="Picture 5">
+            <a:extLst>
+              <a:ext uri="{FF2B5EF4-FFF2-40B4-BE49-F238E27FC236}">
+                <a16:creationId xmlns:a16="http://schemas.microsoft.com/office/drawing/2014/main" id="{C4D45C58-FC12-4814-8D0D-2DCAC84CD509}"/>
+              </a:ext>
+            </a:extLst>
+          </p:cNvPr>
+          <p:cNvPicPr>
+            <a:picLocks noChangeAspect="1"/>
+          </p:cNvPicPr>
+          <p:nvPr/>
+        </p:nvPicPr>
+        <p:blipFill>
+          <a:blip r:embed="rId2"/>
+          <a:stretch>
+            <a:fillRect/>
+          </a:stretch>
+        </p:blipFill>
+        <p:spPr>
+          <a:xfrm>
+            <a:off x="1420645" y="1837113"/>
+            <a:ext cx="8638229" cy="3050769"/>
+          </a:xfrm>
+          <a:prstGeom prst="rect">
+            <a:avLst/>
+          </a:prstGeom>
+        </p:spPr>
+      </p:pic>
+      <p:sp>
+        <p:nvSpPr>
+          <p:cNvPr id="8" name="Arrow: Down 7">
+            <a:extLst>
+              <a:ext uri="{FF2B5EF4-FFF2-40B4-BE49-F238E27FC236}">
+                <a16:creationId xmlns:a16="http://schemas.microsoft.com/office/drawing/2014/main" id="{2B389BF1-C221-C2A2-F913-E6E3F8C22EE2}"/>
+              </a:ext>
+            </a:extLst>
+          </p:cNvPr>
+          <p:cNvSpPr/>
+          <p:nvPr/>
+        </p:nvSpPr>
+        <p:spPr>
+          <a:xfrm>
+            <a:off x="5390625" y="696633"/>
+            <a:ext cx="349134" cy="523702"/>
+          </a:xfrm>
+          <a:prstGeom prst="downArrow">
+            <a:avLst/>
+          </a:prstGeom>
+          <a:ln>
+            <a:noFill/>
+          </a:ln>
+        </p:spPr>
+        <p:style>
+          <a:lnRef idx="2">
+            <a:schemeClr val="accent1">
+              <a:shade val="50000"/>
+            </a:schemeClr>
+          </a:lnRef>
+          <a:fillRef idx="1">
+            <a:schemeClr val="accent1"/>
+          </a:fillRef>
+          <a:effectRef idx="0">
+            <a:schemeClr val="accent1"/>
+          </a:effectRef>
+          <a:fontRef idx="minor">
+            <a:schemeClr val="lt1"/>
+          </a:fontRef>
+        </p:style>
+        <p:txBody>
+          <a:bodyPr rtlCol="0" anchor="ctr"/>
+          <a:lstStyle/>
+          <a:p>
+            <a:pPr algn="ctr"/>
+            <a:endParaRPr lang="en-GB"/>
+          </a:p>
+        </p:txBody>
+      </p:sp>
+      <p:sp>
+        <p:nvSpPr>
+          <p:cNvPr id="10" name="Text Placeholder 1">
+            <a:extLst>
+              <a:ext uri="{FF2B5EF4-FFF2-40B4-BE49-F238E27FC236}">
+                <a16:creationId xmlns:a16="http://schemas.microsoft.com/office/drawing/2014/main" id="{79E0A588-A65F-D8D8-18BE-612277A9F036}"/>
+              </a:ext>
+            </a:extLst>
+          </p:cNvPr>
+          <p:cNvSpPr txBox="1">
+            <a:spLocks/>
+          </p:cNvSpPr>
+          <p:nvPr/>
+        </p:nvSpPr>
+        <p:spPr>
+          <a:xfrm>
+            <a:off x="2191658" y="5143761"/>
+            <a:ext cx="6747067" cy="832091"/>
+          </a:xfrm>
+          <a:prstGeom prst="rect">
+            <a:avLst/>
+          </a:prstGeom>
+        </p:spPr>
+        <p:txBody>
+          <a:bodyPr vert="horz" lIns="91440" tIns="45720" rIns="91440" bIns="45720" rtlCol="0" anchor="t">
+            <a:noAutofit/>
+          </a:bodyPr>
+          <a:lstStyle>
+            <a:lvl1pPr marL="285750" indent="-285750" algn="l" defTabSz="914400" rtl="0" eaLnBrk="1" latinLnBrk="0" hangingPunct="1">
+              <a:lnSpc>
+                <a:spcPct val="100000"/>
+              </a:lnSpc>
+              <a:spcBef>
+                <a:spcPts val="1200"/>
+              </a:spcBef>
+              <a:buClr>
+                <a:schemeClr val="accent1"/>
+              </a:buClr>
+              <a:buSzPct val="125000"/>
+              <a:buFont typeface="Courier New" panose="02070309020205020404" pitchFamily="49" charset="0"/>
+              <a:buChar char="o"/>
+              <a:defRPr sz="1600" kern="1200">
+                <a:solidFill>
+                  <a:schemeClr val="tx1"/>
+                </a:solidFill>
+                <a:latin typeface="Arial" panose="020B0604020202020204" pitchFamily="34" charset="0"/>
+                <a:ea typeface="+mn-ea"/>
+                <a:cs typeface="Arial" panose="020B0604020202020204" pitchFamily="34" charset="0"/>
+              </a:defRPr>
+            </a:lvl1pPr>
+            <a:lvl2pPr marL="742950" indent="-285750" algn="l" defTabSz="914400" rtl="0" eaLnBrk="1" latinLnBrk="0" hangingPunct="1">
+              <a:lnSpc>
+                <a:spcPct val="100000"/>
+              </a:lnSpc>
+              <a:spcBef>
+                <a:spcPts val="1200"/>
+              </a:spcBef>
+              <a:buClr>
+                <a:schemeClr val="accent1"/>
+              </a:buClr>
+              <a:buSzPct val="125000"/>
+              <a:buFont typeface="Courier New" panose="02070309020205020404" pitchFamily="49" charset="0"/>
+              <a:buChar char="o"/>
+              <a:defRPr sz="1600" kern="1200">
+                <a:solidFill>
+                  <a:schemeClr val="tx1"/>
+                </a:solidFill>
+                <a:latin typeface="Arial" panose="020B0604020202020204" pitchFamily="34" charset="0"/>
+                <a:ea typeface="+mn-ea"/>
+                <a:cs typeface="Arial" panose="020B0604020202020204" pitchFamily="34" charset="0"/>
+              </a:defRPr>
+            </a:lvl2pPr>
+            <a:lvl3pPr marL="1143000" indent="-228600" algn="l" defTabSz="914400" rtl="0" eaLnBrk="1" latinLnBrk="0" hangingPunct="1">
+              <a:lnSpc>
+                <a:spcPct val="100000"/>
+              </a:lnSpc>
+              <a:spcBef>
+                <a:spcPts val="1200"/>
+              </a:spcBef>
+              <a:buClr>
+                <a:schemeClr val="accent1"/>
+              </a:buClr>
+              <a:buSzPct val="125000"/>
+              <a:buFont typeface="Courier New" panose="02070309020205020404" pitchFamily="49" charset="0"/>
+              <a:buChar char="o"/>
+              <a:defRPr sz="1400" kern="1200">
+                <a:solidFill>
+                  <a:schemeClr val="tx1"/>
+                </a:solidFill>
+                <a:latin typeface="Arial" panose="020B0604020202020204" pitchFamily="34" charset="0"/>
+                <a:ea typeface="+mn-ea"/>
+                <a:cs typeface="Arial" panose="020B0604020202020204" pitchFamily="34" charset="0"/>
+              </a:defRPr>
+            </a:lvl3pPr>
+            <a:lvl4pPr marL="1600200" indent="-228600" algn="l" defTabSz="914400" rtl="0" eaLnBrk="1" latinLnBrk="0" hangingPunct="1">
+              <a:lnSpc>
+                <a:spcPct val="100000"/>
+              </a:lnSpc>
+              <a:spcBef>
+                <a:spcPts val="1200"/>
+              </a:spcBef>
+              <a:buClr>
+                <a:schemeClr val="accent1"/>
+              </a:buClr>
+              <a:buSzPct val="125000"/>
+              <a:buFont typeface="Courier New" panose="02070309020205020404" pitchFamily="49" charset="0"/>
+              <a:buChar char="o"/>
+              <a:defRPr sz="1400" kern="1200">
+                <a:solidFill>
+                  <a:schemeClr val="tx1"/>
+                </a:solidFill>
+                <a:latin typeface="Arial" panose="020B0604020202020204" pitchFamily="34" charset="0"/>
+                <a:ea typeface="+mn-ea"/>
+                <a:cs typeface="Arial" panose="020B0604020202020204" pitchFamily="34" charset="0"/>
+              </a:defRPr>
+            </a:lvl4pPr>
+            <a:lvl5pPr marL="2057400" indent="-228600" algn="l" defTabSz="914400" rtl="0" eaLnBrk="1" latinLnBrk="0" hangingPunct="1">
+              <a:lnSpc>
+                <a:spcPct val="100000"/>
+              </a:lnSpc>
+              <a:spcBef>
+                <a:spcPts val="1200"/>
+              </a:spcBef>
+              <a:buClr>
+                <a:schemeClr val="accent1"/>
+              </a:buClr>
+              <a:buSzPct val="125000"/>
+              <a:buFont typeface="Courier New" panose="02070309020205020404" pitchFamily="49" charset="0"/>
+              <a:buChar char="o"/>
+              <a:defRPr sz="1400" kern="1200">
+                <a:solidFill>
+                  <a:schemeClr val="tx1"/>
+                </a:solidFill>
+                <a:latin typeface="Arial" panose="020B0604020202020204" pitchFamily="34" charset="0"/>
+                <a:ea typeface="+mn-ea"/>
+                <a:cs typeface="Arial" panose="020B0604020202020204" pitchFamily="34" charset="0"/>
+              </a:defRPr>
+            </a:lvl5pPr>
+            <a:lvl6pPr marL="2514600" indent="-228600" algn="l" defTabSz="914400" rtl="0" eaLnBrk="1" latinLnBrk="0" hangingPunct="1">
+              <a:spcBef>
+                <a:spcPct val="20000"/>
+              </a:spcBef>
+              <a:buFont typeface="Arial" panose="020B0604020202020204" pitchFamily="34" charset="0"/>
+              <a:buChar char="•"/>
+              <a:defRPr sz="2000" kern="1200">
+                <a:solidFill>
+                  <a:schemeClr val="tx1"/>
+                </a:solidFill>
+                <a:latin typeface="+mn-lt"/>
+                <a:ea typeface="+mn-ea"/>
+                <a:cs typeface="+mn-cs"/>
+              </a:defRPr>
+            </a:lvl6pPr>
+            <a:lvl7pPr marL="2971800" indent="-228600" algn="l" defTabSz="914400" rtl="0" eaLnBrk="1" latinLnBrk="0" hangingPunct="1">
+              <a:spcBef>
+                <a:spcPct val="20000"/>
+              </a:spcBef>
+              <a:buFont typeface="Arial" panose="020B0604020202020204" pitchFamily="34" charset="0"/>
+              <a:buChar char="•"/>
+              <a:defRPr sz="2000" kern="1200">
+                <a:solidFill>
+                  <a:schemeClr val="tx1"/>
+                </a:solidFill>
+                <a:latin typeface="+mn-lt"/>
+                <a:ea typeface="+mn-ea"/>
+                <a:cs typeface="+mn-cs"/>
+              </a:defRPr>
+            </a:lvl7pPr>
+            <a:lvl8pPr marL="3429000" indent="-228600" algn="l" defTabSz="914400" rtl="0" eaLnBrk="1" latinLnBrk="0" hangingPunct="1">
+              <a:spcBef>
+                <a:spcPct val="20000"/>
+              </a:spcBef>
+              <a:buFont typeface="Arial" panose="020B0604020202020204" pitchFamily="34" charset="0"/>
+              <a:buChar char="•"/>
+              <a:defRPr sz="2000" kern="1200">
+                <a:solidFill>
+                  <a:schemeClr val="tx1"/>
+                </a:solidFill>
+                <a:latin typeface="+mn-lt"/>
+                <a:ea typeface="+mn-ea"/>
+                <a:cs typeface="+mn-cs"/>
+              </a:defRPr>
+            </a:lvl8pPr>
+            <a:lvl9pPr marL="3886200" indent="-228600" algn="l" defTabSz="914400" rtl="0" eaLnBrk="1" latinLnBrk="0" hangingPunct="1">
+              <a:spcBef>
+                <a:spcPct val="20000"/>
+              </a:spcBef>
+              <a:buFont typeface="Arial" panose="020B0604020202020204" pitchFamily="34" charset="0"/>
+              <a:buChar char="•"/>
+              <a:defRPr sz="2000" kern="1200">
+                <a:solidFill>
+                  <a:schemeClr val="tx1"/>
+                </a:solidFill>
+                <a:latin typeface="+mn-lt"/>
+                <a:ea typeface="+mn-ea"/>
+                <a:cs typeface="+mn-cs"/>
+              </a:defRPr>
+            </a:lvl9pPr>
+          </a:lstStyle>
+          <a:p>
+            <a:pPr marL="0" indent="0" algn="ctr">
+              <a:buNone/>
+            </a:pPr>
+            <a:r>
+              <a:rPr lang="en-GB" sz="2000" b="1" i="1" dirty="0">
+                <a:solidFill>
+                  <a:srgbClr val="FF0000"/>
+                </a:solidFill>
+              </a:rPr>
+              <a:t>This final dataset can then be used for compliance checks, analysis, and cross-team reference.</a:t>
+            </a:r>
+            <a:endParaRPr lang="en-US" sz="2000" b="1" i="1" dirty="0">
+              <a:solidFill>
+                <a:srgbClr val="FF0000"/>
+              </a:solidFill>
+            </a:endParaRPr>
+          </a:p>
+        </p:txBody>
+      </p:sp>
+    </p:spTree>
+    <p:extLst>
+      <p:ext uri="{BB962C8B-B14F-4D97-AF65-F5344CB8AC3E}">
+        <p14:creationId xmlns:p14="http://schemas.microsoft.com/office/powerpoint/2010/main" val="2665741459"/>
+      </p:ext>
+    </p:extLst>
+  </p:cSld>
+  <p:clrMapOvr>
+    <a:masterClrMapping/>
+  </p:clrMapOvr>
+</p:sld>
+</file>
+
+<file path=ppt/slides/slide9.xml><?xml version="1.0" encoding="utf-8"?>
+<p:sld xmlns:a="http://schemas.openxmlformats.org/drawingml/2006/main" xmlns:r="http://schemas.openxmlformats.org/officeDocument/2006/relationships" xmlns:p="http://schemas.openxmlformats.org/presentationml/2006/main">
+  <p:cSld>
+    <p:spTree>
+      <p:nvGrpSpPr>
+        <p:cNvPr id="1" name=""/>
+        <p:cNvGrpSpPr/>
+        <p:nvPr/>
+      </p:nvGrpSpPr>
+      <p:grpSpPr>
+        <a:xfrm>
+          <a:off x="0" y="0"/>
+          <a:ext cx="0" cy="0"/>
+          <a:chOff x="0" y="0"/>
+          <a:chExt cx="0" cy="0"/>
+        </a:xfrm>
+      </p:grpSpPr>
+      <p:sp>
+        <p:nvSpPr>
+          <p:cNvPr id="2" name="Text Placeholder 1">
+            <a:extLst>
+              <a:ext uri="{FF2B5EF4-FFF2-40B4-BE49-F238E27FC236}">
+                <a16:creationId xmlns:a16="http://schemas.microsoft.com/office/drawing/2014/main" id="{713B4016-A178-76BB-3AAC-2D4B1F90F51E}"/>
+              </a:ext>
+            </a:extLst>
+          </p:cNvPr>
+          <p:cNvSpPr>
+            <a:spLocks noGrp="1"/>
+          </p:cNvSpPr>
+          <p:nvPr>
+            <p:ph type="body" sz="quarter" idx="12"/>
+          </p:nvPr>
+        </p:nvSpPr>
+        <p:spPr>
+          <a:xfrm>
+            <a:off x="360000" y="1321724"/>
+            <a:ext cx="7046641" cy="2916793"/>
+          </a:xfrm>
+        </p:spPr>
+        <p:txBody>
+          <a:bodyPr/>
+          <a:lstStyle/>
+          <a:p>
+            <a:pPr>
+              <a:lnSpc>
+                <a:spcPct val="300000"/>
+              </a:lnSpc>
+            </a:pPr>
+            <a:r>
+              <a:rPr lang="en-US" sz="1700" dirty="0"/>
+              <a:t>Engage stakeholders to confirm requirements and constraints</a:t>
+            </a:r>
+          </a:p>
+          <a:p>
+            <a:pPr>
+              <a:lnSpc>
+                <a:spcPct val="300000"/>
+              </a:lnSpc>
+            </a:pPr>
+            <a:r>
+              <a:rPr lang="en-US" sz="1700" dirty="0"/>
+              <a:t>Assess feasible data access or integration options</a:t>
+            </a:r>
+          </a:p>
+          <a:p>
+            <a:pPr>
+              <a:lnSpc>
+                <a:spcPct val="300000"/>
+              </a:lnSpc>
+            </a:pPr>
+            <a:r>
+              <a:rPr lang="en-US" sz="1700" dirty="0"/>
+              <a:t>Evaluate compliance, governance, and data usage implications</a:t>
+            </a:r>
+          </a:p>
+          <a:p>
+            <a:pPr>
+              <a:lnSpc>
+                <a:spcPct val="300000"/>
+              </a:lnSpc>
+            </a:pPr>
+            <a:endParaRPr lang="en-GB" dirty="0"/>
+          </a:p>
+        </p:txBody>
+      </p:sp>
+      <p:sp>
+        <p:nvSpPr>
+          <p:cNvPr id="4" name="Text Placeholder 3">
+            <a:extLst>
+              <a:ext uri="{FF2B5EF4-FFF2-40B4-BE49-F238E27FC236}">
+                <a16:creationId xmlns:a16="http://schemas.microsoft.com/office/drawing/2014/main" id="{74F0955B-55E0-EB10-2804-156580FB3C3B}"/>
+              </a:ext>
+            </a:extLst>
+          </p:cNvPr>
+          <p:cNvSpPr>
+            <a:spLocks noGrp="1"/>
+          </p:cNvSpPr>
+          <p:nvPr>
+            <p:ph type="body" sz="quarter" idx="10"/>
+          </p:nvPr>
+        </p:nvSpPr>
+        <p:spPr>
+          <a:xfrm>
+            <a:off x="360000" y="540000"/>
+            <a:ext cx="11160000" cy="781724"/>
+          </a:xfrm>
+        </p:spPr>
+        <p:txBody>
+          <a:bodyPr/>
+          <a:lstStyle/>
+          <a:p>
+            <a:r>
+              <a:rPr lang="en-US" dirty="0"/>
+              <a:t>Next Step</a:t>
+            </a:r>
+            <a:endParaRPr lang="en-GB" dirty="0"/>
+          </a:p>
+        </p:txBody>
+      </p:sp>
+      <p:pic>
+        <p:nvPicPr>
+          <p:cNvPr id="5" name="Picture 10" descr="Group Discussion Concepts 4744660 Vector Art at Vecteezy">
+            <a:extLst>
+              <a:ext uri="{FF2B5EF4-FFF2-40B4-BE49-F238E27FC236}">
+                <a16:creationId xmlns:a16="http://schemas.microsoft.com/office/drawing/2014/main" id="{A0C93C18-D862-AA61-6AB6-1363183AB94F}"/>
+              </a:ext>
+            </a:extLst>
+          </p:cNvPr>
+          <p:cNvPicPr>
+            <a:picLocks noChangeAspect="1" noChangeArrowheads="1"/>
+          </p:cNvPicPr>
+          <p:nvPr/>
+        </p:nvPicPr>
+        <p:blipFill>
+          <a:blip r:embed="rId2">
+            <a:extLst>
+              <a:ext uri="{28A0092B-C50C-407E-A947-70E740481C1C}">
+                <a14:useLocalDpi xmlns:a14="http://schemas.microsoft.com/office/drawing/2010/main" val="0"/>
+              </a:ext>
+            </a:extLst>
+          </a:blip>
+          <a:srcRect/>
+          <a:stretch>
+            <a:fillRect/>
+          </a:stretch>
+        </p:blipFill>
+        <p:spPr bwMode="auto">
+          <a:xfrm>
+            <a:off x="7406641" y="1416637"/>
+            <a:ext cx="2597507" cy="2597507"/>
+          </a:xfrm>
+          <a:prstGeom prst="rect">
+            <a:avLst/>
+          </a:prstGeom>
+          <a:noFill/>
+          <a:extLst>
+            <a:ext uri="{909E8E84-426E-40DD-AFC4-6F175D3DCCD1}">
+              <a14:hiddenFill xmlns:a14="http://schemas.microsoft.com/office/drawing/2010/main">
+                <a:solidFill>
+                  <a:srgbClr val="FFFFFF"/>
+                </a:solidFill>
+              </a14:hiddenFill>
+            </a:ext>
+          </a:extLst>
+        </p:spPr>
+      </p:pic>
+    </p:spTree>
+    <p:extLst>
+      <p:ext uri="{BB962C8B-B14F-4D97-AF65-F5344CB8AC3E}">
+        <p14:creationId xmlns:p14="http://schemas.microsoft.com/office/powerpoint/2010/main" val="2756463334"/>
       </p:ext>
     </p:extLst>
   </p:cSld>
